--- a/Mid Term Presentation/Group12-ProjectPresentation.pptx
+++ b/Mid Term Presentation/Group12-ProjectPresentation.pptx
@@ -17946,2544 +17946,331 @@
           </a:p>
         </p:txBody>
       </p:sp>
-      <p:grpSp>
-        <p:nvGrpSpPr>
-          <p:cNvPr id="428" name="Group 427">
+      <p:graphicFrame>
+        <p:nvGraphicFramePr>
+          <p:cNvPr id="2" name="Table 1">
             <a:extLst>
               <a:ext uri="{FF2B5EF4-FFF2-40B4-BE49-F238E27FC236}">
-                <a16:creationId xmlns:a16="http://schemas.microsoft.com/office/drawing/2014/main" id="{A5B81C14-3D21-E5D1-CCC3-8CCB9D304EDE}"/>
+                <a16:creationId xmlns:a16="http://schemas.microsoft.com/office/drawing/2014/main" id="{F59C62D3-3624-96B6-F2CD-4F19DA1B958D}"/>
               </a:ext>
             </a:extLst>
           </p:cNvPr>
-          <p:cNvGrpSpPr/>
-          <p:nvPr/>
-        </p:nvGrpSpPr>
-        <p:grpSpPr>
-          <a:xfrm>
-            <a:off x="5787277" y="1296242"/>
-            <a:ext cx="2637796" cy="3420461"/>
-            <a:chOff x="5783743" y="1471851"/>
-            <a:chExt cx="2637796" cy="3420461"/>
-          </a:xfrm>
-        </p:grpSpPr>
-        <p:grpSp>
-          <p:nvGrpSpPr>
-            <p:cNvPr id="4" name="Group 3">
-              <a:extLst>
-                <a:ext uri="{FF2B5EF4-FFF2-40B4-BE49-F238E27FC236}">
-                  <a16:creationId xmlns:a16="http://schemas.microsoft.com/office/drawing/2014/main" id="{EA929031-76F3-B354-9923-C46F8F4B2930}"/>
-                </a:ext>
-              </a:extLst>
-            </p:cNvPr>
-            <p:cNvGrpSpPr/>
-            <p:nvPr/>
-          </p:nvGrpSpPr>
-          <p:grpSpPr>
-            <a:xfrm>
-              <a:off x="5783743" y="1471851"/>
-              <a:ext cx="2637796" cy="1824870"/>
-              <a:chOff x="2589868" y="1191692"/>
-              <a:chExt cx="2732257" cy="1823414"/>
-            </a:xfrm>
-          </p:grpSpPr>
-          <p:sp>
-            <p:nvSpPr>
-              <p:cNvPr id="16" name="TextBox 15">
+          <p:cNvGraphicFramePr>
+            <a:graphicFrameLocks noGrp="1"/>
+          </p:cNvGraphicFramePr>
+          <p:nvPr>
+            <p:extLst>
+              <p:ext uri="{D42A27DB-BD31-4B8C-83A1-F6EECF244321}">
+                <p14:modId xmlns:p14="http://schemas.microsoft.com/office/powerpoint/2010/main" val="3379431281"/>
+              </p:ext>
+            </p:extLst>
+          </p:nvPr>
+        </p:nvGraphicFramePr>
+        <p:xfrm>
+          <a:off x="1576733" y="1152525"/>
+          <a:ext cx="6096000" cy="3731594"/>
+        </p:xfrm>
+        <a:graphic>
+          <a:graphicData uri="http://schemas.openxmlformats.org/drawingml/2006/table">
+            <a:tbl>
+              <a:tblPr firstRow="1" bandRow="1">
+                <a:tableStyleId>{F053DECA-7E4F-4BD7-9AAC-8842FD60567E}</a:tableStyleId>
+              </a:tblPr>
+              <a:tblGrid>
+                <a:gridCol w="3048000">
+                  <a:extLst>
+                    <a:ext uri="{9D8B030D-6E8A-4147-A177-3AD203B41FA5}">
+                      <a16:colId xmlns:a16="http://schemas.microsoft.com/office/drawing/2014/main" val="4290458815"/>
+                    </a:ext>
+                  </a:extLst>
+                </a:gridCol>
+                <a:gridCol w="3048000">
+                  <a:extLst>
+                    <a:ext uri="{9D8B030D-6E8A-4147-A177-3AD203B41FA5}">
+                      <a16:colId xmlns:a16="http://schemas.microsoft.com/office/drawing/2014/main" val="3756868521"/>
+                    </a:ext>
+                  </a:extLst>
+                </a:gridCol>
+              </a:tblGrid>
+              <a:tr h="378794">
+                <a:tc>
+                  <a:txBody>
+                    <a:bodyPr/>
+                    <a:lstStyle/>
+                    <a:p>
+                      <a:pPr algn="ctr"/>
+                      <a:r>
+                        <a:rPr lang="en-CA" sz="1800" dirty="0"/>
+                        <a:t>Challenges</a:t>
+                      </a:r>
+                    </a:p>
+                  </a:txBody>
+                  <a:tcPr/>
+                </a:tc>
+                <a:tc>
+                  <a:txBody>
+                    <a:bodyPr/>
+                    <a:lstStyle/>
+                    <a:p>
+                      <a:pPr algn="ctr"/>
+                      <a:r>
+                        <a:rPr lang="en-CA" sz="1800" dirty="0"/>
+                        <a:t>Applied Solutions</a:t>
+                      </a:r>
+                    </a:p>
+                  </a:txBody>
+                  <a:tcPr/>
+                </a:tc>
                 <a:extLst>
-                  <a:ext uri="{FF2B5EF4-FFF2-40B4-BE49-F238E27FC236}">
-                    <a16:creationId xmlns:a16="http://schemas.microsoft.com/office/drawing/2014/main" id="{6CB23361-8359-904A-3C33-C45C2D216C9D}"/>
+                  <a:ext uri="{0D108BD9-81ED-4DB2-BD59-A6C34878D82A}">
+                    <a16:rowId xmlns:a16="http://schemas.microsoft.com/office/drawing/2014/main" val="2997424936"/>
                   </a:ext>
                 </a:extLst>
-              </p:cNvPr>
-              <p:cNvSpPr txBox="1"/>
-              <p:nvPr/>
-            </p:nvSpPr>
-            <p:spPr>
-              <a:xfrm>
-                <a:off x="2671903" y="1200673"/>
-                <a:ext cx="2650222" cy="1814433"/>
-              </a:xfrm>
-              <a:prstGeom prst="rect">
-                <a:avLst/>
-              </a:prstGeom>
-              <a:noFill/>
-            </p:spPr>
-            <p:txBody>
-              <a:bodyPr wrap="square" rtlCol="0">
-                <a:spAutoFit/>
-              </a:bodyPr>
-              <a:lstStyle/>
-              <a:p>
-                <a:pPr marL="285750" indent="-285750">
-                  <a:buClr>
-                    <a:srgbClr val="FF725E"/>
-                  </a:buClr>
-                  <a:buFont typeface="Wingdings" panose="05000000000000000000" pitchFamily="2" charset="2"/>
-                  <a:buChar char="l"/>
-                </a:pPr>
-                <a:r>
-                  <a:rPr lang="en-CA" dirty="0">
-                    <a:latin typeface="Calibri" panose="020F0502020204030204" pitchFamily="34" charset="0"/>
-                    <a:ea typeface="Calibri" panose="020F0502020204030204" pitchFamily="34" charset="0"/>
-                    <a:cs typeface="Calibri" panose="020F0502020204030204" pitchFamily="34" charset="0"/>
-                  </a:rPr>
-                  <a:t>Project Management Plan</a:t>
-                </a:r>
-              </a:p>
-              <a:p>
-                <a:pPr marL="285750" indent="-285750">
-                  <a:buClr>
-                    <a:srgbClr val="FF725E"/>
-                  </a:buClr>
-                  <a:buFont typeface="Wingdings" panose="05000000000000000000" pitchFamily="2" charset="2"/>
-                  <a:buChar char="l"/>
-                </a:pPr>
-                <a:r>
-                  <a:rPr lang="en-CA" dirty="0">
-                    <a:latin typeface="Calibri" panose="020F0502020204030204" pitchFamily="34" charset="0"/>
-                    <a:ea typeface="Calibri" panose="020F0502020204030204" pitchFamily="34" charset="0"/>
-                    <a:cs typeface="Calibri" panose="020F0502020204030204" pitchFamily="34" charset="0"/>
-                  </a:rPr>
-                  <a:t>Project Documents</a:t>
-                </a:r>
-              </a:p>
-              <a:p>
-                <a:pPr marL="285750" indent="-285750">
-                  <a:buClr>
-                    <a:srgbClr val="FF725E"/>
-                  </a:buClr>
-                  <a:buFont typeface="Wingdings" panose="05000000000000000000" pitchFamily="2" charset="2"/>
-                  <a:buChar char="l"/>
-                </a:pPr>
-                <a:r>
-                  <a:rPr lang="en-CA" dirty="0">
-                    <a:latin typeface="Calibri" panose="020F0502020204030204" pitchFamily="34" charset="0"/>
-                    <a:ea typeface="Calibri" panose="020F0502020204030204" pitchFamily="34" charset="0"/>
-                    <a:cs typeface="Calibri" panose="020F0502020204030204" pitchFamily="34" charset="0"/>
-                  </a:rPr>
-                  <a:t>Project Milestones</a:t>
-                </a:r>
-              </a:p>
-              <a:p>
-                <a:pPr marL="285750" indent="-285750">
-                  <a:buClr>
-                    <a:srgbClr val="FF725E"/>
-                  </a:buClr>
-                  <a:buFont typeface="Wingdings" panose="05000000000000000000" pitchFamily="2" charset="2"/>
-                  <a:buChar char="l"/>
-                </a:pPr>
-                <a:r>
-                  <a:rPr lang="en-CA" dirty="0">
-                    <a:latin typeface="Calibri" panose="020F0502020204030204" pitchFamily="34" charset="0"/>
-                    <a:ea typeface="Calibri" panose="020F0502020204030204" pitchFamily="34" charset="0"/>
-                    <a:cs typeface="Calibri" panose="020F0502020204030204" pitchFamily="34" charset="0"/>
-                  </a:rPr>
-                  <a:t>Project Schedule</a:t>
-                </a:r>
-              </a:p>
-              <a:p>
-                <a:pPr marL="285750" indent="-285750">
-                  <a:buClr>
-                    <a:srgbClr val="FF725E"/>
-                  </a:buClr>
-                  <a:buFont typeface="Wingdings" panose="05000000000000000000" pitchFamily="2" charset="2"/>
-                  <a:buChar char="l"/>
-                </a:pPr>
-                <a:r>
-                  <a:rPr lang="en-CA" dirty="0">
-                    <a:latin typeface="Calibri" panose="020F0502020204030204" pitchFamily="34" charset="0"/>
-                    <a:ea typeface="Calibri" panose="020F0502020204030204" pitchFamily="34" charset="0"/>
-                    <a:cs typeface="Calibri" panose="020F0502020204030204" pitchFamily="34" charset="0"/>
-                  </a:rPr>
-                  <a:t>Risk Register </a:t>
-                </a:r>
-              </a:p>
-              <a:p>
-                <a:pPr marL="285750" indent="-285750">
-                  <a:buClr>
-                    <a:srgbClr val="FF725E"/>
-                  </a:buClr>
-                  <a:buFont typeface="Wingdings" panose="05000000000000000000" pitchFamily="2" charset="2"/>
-                  <a:buChar char="l"/>
-                </a:pPr>
-                <a:r>
-                  <a:rPr lang="en-CA" dirty="0">
-                    <a:latin typeface="Calibri" panose="020F0502020204030204" pitchFamily="34" charset="0"/>
-                    <a:ea typeface="Calibri" panose="020F0502020204030204" pitchFamily="34" charset="0"/>
-                    <a:cs typeface="Calibri" panose="020F0502020204030204" pitchFamily="34" charset="0"/>
-                  </a:rPr>
-                  <a:t>Requirement Gathering </a:t>
-                </a:r>
-              </a:p>
-              <a:p>
-                <a:pPr marL="285750" indent="-285750">
-                  <a:buClr>
-                    <a:srgbClr val="FF725E"/>
-                  </a:buClr>
-                  <a:buFont typeface="Wingdings" panose="05000000000000000000" pitchFamily="2" charset="2"/>
-                  <a:buChar char="l"/>
-                </a:pPr>
-                <a:r>
-                  <a:rPr lang="en-CA" dirty="0">
-                    <a:latin typeface="Calibri" panose="020F0502020204030204" pitchFamily="34" charset="0"/>
-                    <a:ea typeface="Calibri" panose="020F0502020204030204" pitchFamily="34" charset="0"/>
-                    <a:cs typeface="Calibri" panose="020F0502020204030204" pitchFamily="34" charset="0"/>
-                  </a:rPr>
-                  <a:t>Project Communication</a:t>
-                </a:r>
-              </a:p>
-              <a:p>
-                <a:pPr marL="285750" indent="-285750">
-                  <a:buClr>
-                    <a:srgbClr val="FF725E"/>
-                  </a:buClr>
-                  <a:buFont typeface="Wingdings" panose="05000000000000000000" pitchFamily="2" charset="2"/>
-                  <a:buChar char="l"/>
-                </a:pPr>
-                <a:r>
-                  <a:rPr lang="en-CA" dirty="0">
-                    <a:latin typeface="Calibri" panose="020F0502020204030204" pitchFamily="34" charset="0"/>
-                    <a:ea typeface="Calibri" panose="020F0502020204030204" pitchFamily="34" charset="0"/>
-                    <a:cs typeface="Calibri" panose="020F0502020204030204" pitchFamily="34" charset="0"/>
-                  </a:rPr>
-                  <a:t>…</a:t>
-                </a:r>
-              </a:p>
-            </p:txBody>
-          </p:sp>
-          <p:sp>
-            <p:nvSpPr>
-              <p:cNvPr id="17" name="Double Bracket 16">
+              </a:tr>
+              <a:tr h="384336">
+                <a:tc>
+                  <a:txBody>
+                    <a:bodyPr/>
+                    <a:lstStyle/>
+                    <a:p>
+                      <a:r>
+                        <a:rPr lang="en-CA" dirty="0"/>
+                        <a:t>Data ethics</a:t>
+                      </a:r>
+                    </a:p>
+                  </a:txBody>
+                  <a:tcPr/>
+                </a:tc>
+                <a:tc>
+                  <a:txBody>
+                    <a:bodyPr/>
+                    <a:lstStyle/>
+                    <a:p>
+                      <a:r>
+                        <a:rPr lang="en-CA" sz="1100" dirty="0"/>
+                        <a:t>Used Microsoft Forms to maintain Ethical concerns.</a:t>
+                      </a:r>
+                      <a:endParaRPr lang="en-CA" sz="1100" dirty="0">
+                        <a:highlight>
+                          <a:srgbClr val="FFFF00"/>
+                        </a:highlight>
+                      </a:endParaRPr>
+                    </a:p>
+                  </a:txBody>
+                  <a:tcPr/>
+                </a:tc>
                 <a:extLst>
-                  <a:ext uri="{FF2B5EF4-FFF2-40B4-BE49-F238E27FC236}">
-                    <a16:creationId xmlns:a16="http://schemas.microsoft.com/office/drawing/2014/main" id="{EA8DEF96-6053-F7D7-AD24-434716EA8482}"/>
+                  <a:ext uri="{0D108BD9-81ED-4DB2-BD59-A6C34878D82A}">
+                    <a16:rowId xmlns:a16="http://schemas.microsoft.com/office/drawing/2014/main" val="2240347157"/>
                   </a:ext>
                 </a:extLst>
-              </p:cNvPr>
-              <p:cNvSpPr/>
-              <p:nvPr/>
-            </p:nvSpPr>
-            <p:spPr>
-              <a:xfrm>
-                <a:off x="2589868" y="1191692"/>
-                <a:ext cx="2732257" cy="1793387"/>
-              </a:xfrm>
-              <a:prstGeom prst="bracketPair">
-                <a:avLst/>
-              </a:prstGeom>
-              <a:noFill/>
-              <a:ln w="38100">
-                <a:solidFill>
-                  <a:srgbClr val="FF725E"/>
-                </a:solidFill>
-              </a:ln>
-            </p:spPr>
-            <p:style>
-              <a:lnRef idx="1">
-                <a:schemeClr val="accent1"/>
-              </a:lnRef>
-              <a:fillRef idx="0">
-                <a:schemeClr val="accent1"/>
-              </a:fillRef>
-              <a:effectRef idx="0">
-                <a:schemeClr val="accent1"/>
-              </a:effectRef>
-              <a:fontRef idx="minor">
-                <a:schemeClr val="tx1"/>
-              </a:fontRef>
-            </p:style>
-            <p:txBody>
-              <a:bodyPr rtlCol="0" anchor="ctr"/>
-              <a:lstStyle/>
-              <a:p>
-                <a:pPr algn="ctr"/>
-                <a:endParaRPr lang="en-CA">
-                  <a:latin typeface="Calibri" panose="020F0502020204030204" pitchFamily="34" charset="0"/>
-                  <a:ea typeface="Calibri" panose="020F0502020204030204" pitchFamily="34" charset="0"/>
-                  <a:cs typeface="Calibri" panose="020F0502020204030204" pitchFamily="34" charset="0"/>
-                </a:endParaRPr>
-              </a:p>
-            </p:txBody>
-          </p:sp>
-        </p:grpSp>
-        <p:grpSp>
-          <p:nvGrpSpPr>
-            <p:cNvPr id="5" name="Group 4">
-              <a:extLst>
-                <a:ext uri="{FF2B5EF4-FFF2-40B4-BE49-F238E27FC236}">
-                  <a16:creationId xmlns:a16="http://schemas.microsoft.com/office/drawing/2014/main" id="{AA1D8718-F70D-3A70-CF1F-B974798E8729}"/>
-                </a:ext>
-              </a:extLst>
-            </p:cNvPr>
-            <p:cNvGrpSpPr/>
-            <p:nvPr/>
-          </p:nvGrpSpPr>
-          <p:grpSpPr>
-            <a:xfrm>
-              <a:off x="5806346" y="4060382"/>
-              <a:ext cx="2615193" cy="831930"/>
-              <a:chOff x="2637240" y="4025574"/>
-              <a:chExt cx="2919960" cy="830998"/>
-            </a:xfrm>
-          </p:grpSpPr>
-          <p:sp>
-            <p:nvSpPr>
-              <p:cNvPr id="9" name="TextBox 8">
+              </a:tr>
+              <a:tr h="754578">
+                <a:tc>
+                  <a:txBody>
+                    <a:bodyPr/>
+                    <a:lstStyle/>
+                    <a:p>
+                      <a:r>
+                        <a:rPr lang="en-CA" dirty="0"/>
+                        <a:t>Data Collection</a:t>
+                      </a:r>
+                    </a:p>
+                  </a:txBody>
+                  <a:tcPr/>
+                </a:tc>
+                <a:tc>
+                  <a:txBody>
+                    <a:bodyPr/>
+                    <a:lstStyle/>
+                    <a:p>
+                      <a:pPr marL="0" marR="0" lvl="0" indent="0" algn="just" defTabSz="914400" rtl="0" eaLnBrk="1" fontAlgn="auto" latinLnBrk="0" hangingPunct="1">
+                        <a:lnSpc>
+                          <a:spcPct val="100000"/>
+                        </a:lnSpc>
+                        <a:spcBef>
+                          <a:spcPts val="0"/>
+                        </a:spcBef>
+                        <a:spcAft>
+                          <a:spcPts val="0"/>
+                        </a:spcAft>
+                        <a:buClr>
+                          <a:srgbClr val="000000"/>
+                        </a:buClr>
+                        <a:buSzTx/>
+                        <a:buFont typeface="Arial"/>
+                        <a:buNone/>
+                        <a:tabLst/>
+                        <a:defRPr/>
+                      </a:pPr>
+                      <a:r>
+                        <a:rPr lang="en-US" sz="1100" b="0" i="0" u="none" strike="noStrike" cap="none" dirty="0">
+                          <a:solidFill>
+                            <a:srgbClr val="000000"/>
+                          </a:solidFill>
+                          <a:effectLst/>
+                          <a:latin typeface="Arial"/>
+                          <a:ea typeface="Arial"/>
+                          <a:cs typeface="Arial"/>
+                          <a:sym typeface="Arial"/>
+                        </a:rPr>
+                        <a:t>Despite using a primary data source, our efforts to advertise the survey through classes and faculty members enabled us to obtain more than 60% of the intended data.</a:t>
+                      </a:r>
+                    </a:p>
+                  </a:txBody>
+                  <a:tcPr/>
+                </a:tc>
                 <a:extLst>
-                  <a:ext uri="{FF2B5EF4-FFF2-40B4-BE49-F238E27FC236}">
-                    <a16:creationId xmlns:a16="http://schemas.microsoft.com/office/drawing/2014/main" id="{6CA4DD6F-DAB9-AB52-E21C-6F4D1606FBD8}"/>
+                  <a:ext uri="{0D108BD9-81ED-4DB2-BD59-A6C34878D82A}">
+                    <a16:rowId xmlns:a16="http://schemas.microsoft.com/office/drawing/2014/main" val="2237786182"/>
                   </a:ext>
                 </a:extLst>
-              </p:cNvPr>
-              <p:cNvSpPr txBox="1"/>
-              <p:nvPr/>
-            </p:nvSpPr>
-            <p:spPr>
-              <a:xfrm>
-                <a:off x="2706526" y="4025574"/>
-                <a:ext cx="2850674" cy="737836"/>
-              </a:xfrm>
-              <a:prstGeom prst="rect">
-                <a:avLst/>
-              </a:prstGeom>
-              <a:noFill/>
-            </p:spPr>
-            <p:txBody>
-              <a:bodyPr wrap="square" rtlCol="0">
-                <a:spAutoFit/>
-              </a:bodyPr>
-              <a:lstStyle/>
-              <a:p>
-                <a:pPr marL="285750" indent="-285750">
-                  <a:buClr>
-                    <a:srgbClr val="FF725E"/>
-                  </a:buClr>
-                  <a:buFont typeface="Wingdings" panose="05000000000000000000" pitchFamily="2" charset="2"/>
-                  <a:buChar char="l"/>
-                </a:pPr>
-                <a:r>
-                  <a:rPr lang="en-CA" dirty="0">
-                    <a:latin typeface="Calibri" panose="020F0502020204030204" pitchFamily="34" charset="0"/>
-                    <a:ea typeface="Calibri" panose="020F0502020204030204" pitchFamily="34" charset="0"/>
-                    <a:cs typeface="Calibri" panose="020F0502020204030204" pitchFamily="34" charset="0"/>
-                  </a:rPr>
-                  <a:t>Change Request</a:t>
-                </a:r>
-              </a:p>
-              <a:p>
-                <a:pPr marL="285750" indent="-285750">
-                  <a:buClr>
-                    <a:srgbClr val="FF725E"/>
-                  </a:buClr>
-                  <a:buFont typeface="Wingdings" panose="05000000000000000000" pitchFamily="2" charset="2"/>
-                  <a:buChar char="l"/>
-                </a:pPr>
-                <a:r>
-                  <a:rPr lang="en-CA" dirty="0">
-                    <a:latin typeface="Calibri" panose="020F0502020204030204" pitchFamily="34" charset="0"/>
-                    <a:ea typeface="Calibri" panose="020F0502020204030204" pitchFamily="34" charset="0"/>
-                    <a:cs typeface="Calibri" panose="020F0502020204030204" pitchFamily="34" charset="0"/>
-                  </a:rPr>
-                  <a:t>Change log</a:t>
-                </a:r>
-              </a:p>
-              <a:p>
-                <a:pPr marL="285750" indent="-285750">
-                  <a:buClr>
-                    <a:srgbClr val="FF725E"/>
-                  </a:buClr>
-                  <a:buFont typeface="Wingdings" panose="05000000000000000000" pitchFamily="2" charset="2"/>
-                  <a:buChar char="l"/>
-                </a:pPr>
-                <a:r>
-                  <a:rPr lang="en-CA" dirty="0">
-                    <a:latin typeface="Calibri" panose="020F0502020204030204" pitchFamily="34" charset="0"/>
-                    <a:ea typeface="Calibri" panose="020F0502020204030204" pitchFamily="34" charset="0"/>
-                    <a:cs typeface="Calibri" panose="020F0502020204030204" pitchFamily="34" charset="0"/>
-                  </a:rPr>
-                  <a:t>Lesson Learned Register</a:t>
-                </a:r>
-              </a:p>
-            </p:txBody>
-          </p:sp>
-          <p:sp>
-            <p:nvSpPr>
-              <p:cNvPr id="10" name="Double Bracket 9">
+              </a:tr>
+              <a:tr h="965859">
+                <a:tc>
+                  <a:txBody>
+                    <a:bodyPr/>
+                    <a:lstStyle/>
+                    <a:p>
+                      <a:r>
+                        <a:rPr lang="en-CA" dirty="0"/>
+                        <a:t>Data Engineering</a:t>
+                      </a:r>
+                    </a:p>
+                  </a:txBody>
+                  <a:tcPr/>
+                </a:tc>
+                <a:tc>
+                  <a:txBody>
+                    <a:bodyPr/>
+                    <a:lstStyle/>
+                    <a:p>
+                      <a:pPr marL="0" marR="0" lvl="0" indent="0" algn="just" defTabSz="914400" rtl="0" eaLnBrk="1" fontAlgn="auto" latinLnBrk="0" hangingPunct="1">
+                        <a:lnSpc>
+                          <a:spcPct val="100000"/>
+                        </a:lnSpc>
+                        <a:spcBef>
+                          <a:spcPts val="0"/>
+                        </a:spcBef>
+                        <a:spcAft>
+                          <a:spcPts val="0"/>
+                        </a:spcAft>
+                        <a:buClr>
+                          <a:srgbClr val="000000"/>
+                        </a:buClr>
+                        <a:buSzTx/>
+                        <a:buFont typeface="Arial"/>
+                        <a:buNone/>
+                        <a:tabLst/>
+                        <a:defRPr/>
+                      </a:pPr>
+                      <a:r>
+                        <a:rPr lang="en-US" sz="1100" b="0" i="0" u="none" strike="noStrike" cap="none" dirty="0">
+                          <a:solidFill>
+                            <a:srgbClr val="000000"/>
+                          </a:solidFill>
+                          <a:effectLst/>
+                          <a:latin typeface="Arial"/>
+                          <a:ea typeface="Arial"/>
+                          <a:cs typeface="Arial"/>
+                          <a:sym typeface="Arial"/>
+                        </a:rPr>
+                        <a:t>Our survey design was intended to be straightforward, but including text field questions has resulted in a data engineering challenge that we are still addressing.</a:t>
+                      </a:r>
+                    </a:p>
+                    <a:p>
+                      <a:pPr algn="just"/>
+                      <a:endParaRPr lang="en-CA" dirty="0"/>
+                    </a:p>
+                  </a:txBody>
+                  <a:tcPr/>
+                </a:tc>
                 <a:extLst>
-                  <a:ext uri="{FF2B5EF4-FFF2-40B4-BE49-F238E27FC236}">
-                    <a16:creationId xmlns:a16="http://schemas.microsoft.com/office/drawing/2014/main" id="{4C4061C4-F89C-C6A7-531D-02996D10702C}"/>
+                  <a:ext uri="{0D108BD9-81ED-4DB2-BD59-A6C34878D82A}">
+                    <a16:rowId xmlns:a16="http://schemas.microsoft.com/office/drawing/2014/main" val="1533992714"/>
                   </a:ext>
                 </a:extLst>
-              </p:cNvPr>
-              <p:cNvSpPr/>
-              <p:nvPr/>
-            </p:nvSpPr>
-            <p:spPr>
-              <a:xfrm>
-                <a:off x="2637240" y="4030859"/>
-                <a:ext cx="2919960" cy="825713"/>
-              </a:xfrm>
-              <a:prstGeom prst="bracketPair">
-                <a:avLst/>
-              </a:prstGeom>
-              <a:noFill/>
-              <a:ln w="38100">
-                <a:solidFill>
-                  <a:srgbClr val="FF725E"/>
-                </a:solidFill>
-              </a:ln>
-            </p:spPr>
-            <p:style>
-              <a:lnRef idx="1">
-                <a:schemeClr val="accent1"/>
-              </a:lnRef>
-              <a:fillRef idx="0">
-                <a:schemeClr val="accent1"/>
-              </a:fillRef>
-              <a:effectRef idx="0">
-                <a:schemeClr val="accent1"/>
-              </a:effectRef>
-              <a:fontRef idx="minor">
-                <a:schemeClr val="tx1"/>
-              </a:fontRef>
-            </p:style>
-            <p:txBody>
-              <a:bodyPr rtlCol="0" anchor="ctr"/>
-              <a:lstStyle/>
-              <a:p>
-                <a:pPr algn="ctr"/>
-                <a:endParaRPr lang="en-CA">
-                  <a:latin typeface="Calibri" panose="020F0502020204030204" pitchFamily="34" charset="0"/>
-                  <a:ea typeface="Calibri" panose="020F0502020204030204" pitchFamily="34" charset="0"/>
-                  <a:cs typeface="Calibri" panose="020F0502020204030204" pitchFamily="34" charset="0"/>
-                </a:endParaRPr>
-              </a:p>
-            </p:txBody>
-          </p:sp>
-        </p:grpSp>
-        <p:grpSp>
-          <p:nvGrpSpPr>
-            <p:cNvPr id="427" name="Group 426">
-              <a:extLst>
-                <a:ext uri="{FF2B5EF4-FFF2-40B4-BE49-F238E27FC236}">
-                  <a16:creationId xmlns:a16="http://schemas.microsoft.com/office/drawing/2014/main" id="{3F715CA6-FC1E-42D8-0E46-DC2961E2E128}"/>
-                </a:ext>
-              </a:extLst>
-            </p:cNvPr>
-            <p:cNvGrpSpPr/>
-            <p:nvPr/>
-          </p:nvGrpSpPr>
-          <p:grpSpPr>
-            <a:xfrm>
-              <a:off x="6373901" y="3152415"/>
-              <a:ext cx="1389190" cy="858154"/>
-              <a:chOff x="6137398" y="2802592"/>
-              <a:chExt cx="1389190" cy="858154"/>
-            </a:xfrm>
-          </p:grpSpPr>
-          <p:grpSp>
-            <p:nvGrpSpPr>
-              <p:cNvPr id="3" name="Group 2">
+              </a:tr>
+              <a:tr h="754578">
+                <a:tc>
+                  <a:txBody>
+                    <a:bodyPr/>
+                    <a:lstStyle/>
+                    <a:p>
+                      <a:r>
+                        <a:rPr lang="en-CA" dirty="0"/>
+                        <a:t>Automation</a:t>
+                      </a:r>
+                    </a:p>
+                  </a:txBody>
+                  <a:tcPr/>
+                </a:tc>
+                <a:tc>
+                  <a:txBody>
+                    <a:bodyPr/>
+                    <a:lstStyle/>
+                    <a:p>
+                      <a:pPr algn="just"/>
+                      <a:r>
+                        <a:rPr lang="en-US" sz="1100" b="0" i="0" u="none" strike="noStrike" cap="none" dirty="0">
+                          <a:solidFill>
+                            <a:srgbClr val="000000"/>
+                          </a:solidFill>
+                          <a:effectLst/>
+                          <a:latin typeface="Arial"/>
+                          <a:ea typeface="Arial"/>
+                          <a:cs typeface="Arial"/>
+                          <a:sym typeface="Arial"/>
+                        </a:rPr>
+                        <a:t>Our project's data flow has been defined, but we are exploring ways to automate the process for faster results despite the current manual access to active components.</a:t>
+                      </a:r>
+                    </a:p>
+                  </a:txBody>
+                  <a:tcPr/>
+                </a:tc>
                 <a:extLst>
-                  <a:ext uri="{FF2B5EF4-FFF2-40B4-BE49-F238E27FC236}">
-                    <a16:creationId xmlns:a16="http://schemas.microsoft.com/office/drawing/2014/main" id="{57880A97-4D60-B4AE-F753-54E225620985}"/>
+                  <a:ext uri="{0D108BD9-81ED-4DB2-BD59-A6C34878D82A}">
+                    <a16:rowId xmlns:a16="http://schemas.microsoft.com/office/drawing/2014/main" val="4110921532"/>
                   </a:ext>
                 </a:extLst>
-              </p:cNvPr>
-              <p:cNvGrpSpPr/>
-              <p:nvPr/>
-            </p:nvGrpSpPr>
-            <p:grpSpPr>
-              <a:xfrm>
-                <a:off x="6137398" y="2802592"/>
-                <a:ext cx="1389190" cy="858154"/>
-                <a:chOff x="1014963" y="2895179"/>
-                <a:chExt cx="1518434" cy="1069806"/>
-              </a:xfrm>
-            </p:grpSpPr>
-            <p:sp>
-              <p:nvSpPr>
-                <p:cNvPr id="19" name="Arrow: Curved Down 18">
-                  <a:extLst>
-                    <a:ext uri="{FF2B5EF4-FFF2-40B4-BE49-F238E27FC236}">
-                      <a16:creationId xmlns:a16="http://schemas.microsoft.com/office/drawing/2014/main" id="{78ACDF43-7FD0-E597-008F-4DA47C666959}"/>
-                    </a:ext>
-                  </a:extLst>
-                </p:cNvPr>
-                <p:cNvSpPr/>
-                <p:nvPr/>
-              </p:nvSpPr>
-              <p:spPr>
-                <a:xfrm rot="16200000" flipV="1">
-                  <a:off x="1812804" y="3125023"/>
-                  <a:ext cx="950438" cy="490749"/>
-                </a:xfrm>
-                <a:prstGeom prst="curvedDownArrow">
-                  <a:avLst>
-                    <a:gd name="adj1" fmla="val 25000"/>
-                    <a:gd name="adj2" fmla="val 87066"/>
-                    <a:gd name="adj3" fmla="val 34950"/>
-                  </a:avLst>
-                </a:prstGeom>
-                <a:solidFill>
-                  <a:srgbClr val="FF725E"/>
-                </a:solidFill>
-                <a:ln>
-                  <a:noFill/>
-                </a:ln>
-              </p:spPr>
-              <p:style>
-                <a:lnRef idx="2">
-                  <a:schemeClr val="accent1">
-                    <a:shade val="50000"/>
-                  </a:schemeClr>
-                </a:lnRef>
-                <a:fillRef idx="1">
-                  <a:schemeClr val="accent1"/>
-                </a:fillRef>
-                <a:effectRef idx="0">
-                  <a:schemeClr val="accent1"/>
-                </a:effectRef>
-                <a:fontRef idx="minor">
-                  <a:schemeClr val="lt1"/>
-                </a:fontRef>
-              </p:style>
-              <p:txBody>
-                <a:bodyPr rtlCol="0" anchor="ctr"/>
-                <a:lstStyle/>
-                <a:p>
-                  <a:pPr algn="ctr"/>
-                  <a:endParaRPr lang="en-CA">
-                    <a:solidFill>
-                      <a:schemeClr val="tx1"/>
-                    </a:solidFill>
-                    <a:latin typeface="Calibri" panose="020F0502020204030204" pitchFamily="34" charset="0"/>
-                    <a:ea typeface="Calibri" panose="020F0502020204030204" pitchFamily="34" charset="0"/>
-                    <a:cs typeface="Calibri" panose="020F0502020204030204" pitchFamily="34" charset="0"/>
-                  </a:endParaRPr>
-                </a:p>
-              </p:txBody>
-            </p:sp>
-            <p:sp>
-              <p:nvSpPr>
-                <p:cNvPr id="20" name="Arrow: Curved Down 19">
-                  <a:extLst>
-                    <a:ext uri="{FF2B5EF4-FFF2-40B4-BE49-F238E27FC236}">
-                      <a16:creationId xmlns:a16="http://schemas.microsoft.com/office/drawing/2014/main" id="{E75E3D3B-79AD-D128-2171-EBADE9AEE57D}"/>
-                    </a:ext>
-                  </a:extLst>
-                </p:cNvPr>
-                <p:cNvSpPr/>
-                <p:nvPr/>
-              </p:nvSpPr>
-              <p:spPr>
-                <a:xfrm rot="16200000" flipH="1">
-                  <a:off x="754750" y="3214020"/>
-                  <a:ext cx="1011178" cy="490751"/>
-                </a:xfrm>
-                <a:prstGeom prst="curvedDownArrow">
-                  <a:avLst>
-                    <a:gd name="adj1" fmla="val 25000"/>
-                    <a:gd name="adj2" fmla="val 87066"/>
-                    <a:gd name="adj3" fmla="val 34950"/>
-                  </a:avLst>
-                </a:prstGeom>
-                <a:solidFill>
-                  <a:srgbClr val="FF725E"/>
-                </a:solidFill>
-                <a:ln>
-                  <a:noFill/>
-                </a:ln>
-              </p:spPr>
-              <p:style>
-                <a:lnRef idx="2">
-                  <a:schemeClr val="accent1">
-                    <a:shade val="50000"/>
-                  </a:schemeClr>
-                </a:lnRef>
-                <a:fillRef idx="1">
-                  <a:schemeClr val="accent1"/>
-                </a:fillRef>
-                <a:effectRef idx="0">
-                  <a:schemeClr val="accent1"/>
-                </a:effectRef>
-                <a:fontRef idx="minor">
-                  <a:schemeClr val="lt1"/>
-                </a:fontRef>
-              </p:style>
-              <p:txBody>
-                <a:bodyPr rtlCol="0" anchor="ctr"/>
-                <a:lstStyle/>
-                <a:p>
-                  <a:pPr algn="ctr"/>
-                  <a:endParaRPr lang="en-CA">
-                    <a:solidFill>
-                      <a:schemeClr val="tx1"/>
-                    </a:solidFill>
-                    <a:latin typeface="Calibri" panose="020F0502020204030204" pitchFamily="34" charset="0"/>
-                    <a:ea typeface="Calibri" panose="020F0502020204030204" pitchFamily="34" charset="0"/>
-                    <a:cs typeface="Calibri" panose="020F0502020204030204" pitchFamily="34" charset="0"/>
-                  </a:endParaRPr>
-                </a:p>
-              </p:txBody>
-            </p:sp>
-          </p:grpSp>
-          <p:sp>
-            <p:nvSpPr>
-              <p:cNvPr id="23" name="TextBox 22">
+              </a:tr>
+              <a:tr h="367228">
+                <a:tc>
+                  <a:txBody>
+                    <a:bodyPr/>
+                    <a:lstStyle/>
+                    <a:p>
+                      <a:r>
+                        <a:rPr lang="en-CA" dirty="0"/>
+                        <a:t>Cloud Pipeline</a:t>
+                      </a:r>
+                    </a:p>
+                  </a:txBody>
+                  <a:tcPr/>
+                </a:tc>
+                <a:tc>
+                  <a:txBody>
+                    <a:bodyPr/>
+                    <a:lstStyle/>
+                    <a:p>
+                      <a:r>
+                        <a:rPr lang="en-CA" sz="1100" dirty="0"/>
+                        <a:t>After thorough research we decided to use Google cloud platform and Big-query </a:t>
+                      </a:r>
+                    </a:p>
+                  </a:txBody>
+                  <a:tcPr/>
+                </a:tc>
                 <a:extLst>
-                  <a:ext uri="{FF2B5EF4-FFF2-40B4-BE49-F238E27FC236}">
-                    <a16:creationId xmlns:a16="http://schemas.microsoft.com/office/drawing/2014/main" id="{FAE964D8-9342-3A0B-D32B-3044879FA2A1}"/>
+                  <a:ext uri="{0D108BD9-81ED-4DB2-BD59-A6C34878D82A}">
+                    <a16:rowId xmlns:a16="http://schemas.microsoft.com/office/drawing/2014/main" val="1466574954"/>
                   </a:ext>
                 </a:extLst>
-              </p:cNvPr>
-              <p:cNvSpPr txBox="1"/>
-              <p:nvPr/>
-            </p:nvSpPr>
-            <p:spPr>
-              <a:xfrm>
-                <a:off x="6259340" y="3020481"/>
-                <a:ext cx="1145309" cy="338554"/>
-              </a:xfrm>
-              <a:prstGeom prst="rect">
-                <a:avLst/>
-              </a:prstGeom>
-              <a:noFill/>
-            </p:spPr>
-            <p:txBody>
-              <a:bodyPr wrap="square" rtlCol="0">
-                <a:spAutoFit/>
-              </a:bodyPr>
-              <a:lstStyle/>
-              <a:p>
-                <a:pPr algn="ctr"/>
-                <a:r>
-                  <a:rPr lang="en-CA" sz="1600" b="1" dirty="0">
-                    <a:solidFill>
-                      <a:srgbClr val="FF725E"/>
-                    </a:solidFill>
-                    <a:latin typeface="Calibri" panose="020F0502020204030204" pitchFamily="34" charset="0"/>
-                    <a:ea typeface="Calibri" panose="020F0502020204030204" pitchFamily="34" charset="0"/>
-                    <a:cs typeface="Calibri" panose="020F0502020204030204" pitchFamily="34" charset="0"/>
-                  </a:rPr>
-                  <a:t>Update</a:t>
-                </a:r>
-              </a:p>
-            </p:txBody>
-          </p:sp>
-        </p:grpSp>
-      </p:grpSp>
-      <p:grpSp>
-        <p:nvGrpSpPr>
-          <p:cNvPr id="391" name="Group 390">
-            <a:extLst>
-              <a:ext uri="{FF2B5EF4-FFF2-40B4-BE49-F238E27FC236}">
-                <a16:creationId xmlns:a16="http://schemas.microsoft.com/office/drawing/2014/main" id="{20523A39-90F3-62C8-FA8A-66E70E5DC890}"/>
-              </a:ext>
-            </a:extLst>
-          </p:cNvPr>
-          <p:cNvGrpSpPr/>
-          <p:nvPr/>
-        </p:nvGrpSpPr>
-        <p:grpSpPr>
-          <a:xfrm>
-            <a:off x="320176" y="4158285"/>
-            <a:ext cx="1413852" cy="725352"/>
-            <a:chOff x="4132535" y="1540309"/>
-            <a:chExt cx="1360250" cy="805697"/>
-          </a:xfrm>
-        </p:grpSpPr>
-        <p:grpSp>
-          <p:nvGrpSpPr>
-            <p:cNvPr id="392" name="Google Shape;638;p35">
-              <a:extLst>
-                <a:ext uri="{FF2B5EF4-FFF2-40B4-BE49-F238E27FC236}">
-                  <a16:creationId xmlns:a16="http://schemas.microsoft.com/office/drawing/2014/main" id="{0E5AC7E1-3970-42EA-EFA6-EF173D131C6B}"/>
-                </a:ext>
-              </a:extLst>
-            </p:cNvPr>
-            <p:cNvGrpSpPr/>
-            <p:nvPr/>
-          </p:nvGrpSpPr>
-          <p:grpSpPr>
-            <a:xfrm>
-              <a:off x="4149460" y="1540309"/>
-              <a:ext cx="1300364" cy="805697"/>
-              <a:chOff x="713225" y="1832600"/>
-              <a:chExt cx="845400" cy="904375"/>
-            </a:xfrm>
-          </p:grpSpPr>
-          <p:sp>
-            <p:nvSpPr>
-              <p:cNvPr id="394" name="Google Shape;639;p35">
-                <a:extLst>
-                  <a:ext uri="{FF2B5EF4-FFF2-40B4-BE49-F238E27FC236}">
-                    <a16:creationId xmlns:a16="http://schemas.microsoft.com/office/drawing/2014/main" id="{6AC5FFCF-AA74-5FC5-3089-1787B4CC935B}"/>
-                  </a:ext>
-                </a:extLst>
-              </p:cNvPr>
-              <p:cNvSpPr/>
-              <p:nvPr/>
-            </p:nvSpPr>
-            <p:spPr>
-              <a:xfrm>
-                <a:off x="713225" y="1891575"/>
-                <a:ext cx="845400" cy="845400"/>
-              </a:xfrm>
-              <a:prstGeom prst="rect">
-                <a:avLst/>
-              </a:prstGeom>
-              <a:noFill/>
-              <a:ln w="28575" cap="flat" cmpd="sng">
-                <a:solidFill>
-                  <a:srgbClr val="FFC000"/>
-                </a:solidFill>
-                <a:prstDash val="sysDash"/>
-                <a:round/>
-                <a:headEnd type="none" w="sm" len="sm"/>
-                <a:tailEnd type="none" w="sm" len="sm"/>
-              </a:ln>
-            </p:spPr>
-            <p:txBody>
-              <a:bodyPr spcFirstLastPara="1" wrap="square" lIns="91425" tIns="91425" rIns="91425" bIns="91425" anchor="ctr" anchorCtr="0">
-                <a:noAutofit/>
-              </a:bodyPr>
-              <a:lstStyle/>
-              <a:p>
-                <a:pPr marL="0" lvl="0" indent="0" algn="l" rtl="0">
-                  <a:spcBef>
-                    <a:spcPts val="0"/>
-                  </a:spcBef>
-                  <a:spcAft>
-                    <a:spcPts val="0"/>
-                  </a:spcAft>
-                  <a:buNone/>
-                </a:pPr>
-                <a:endParaRPr>
-                  <a:latin typeface="Calibri" panose="020F0502020204030204" pitchFamily="34" charset="0"/>
-                  <a:ea typeface="Calibri" panose="020F0502020204030204" pitchFamily="34" charset="0"/>
-                  <a:cs typeface="Calibri" panose="020F0502020204030204" pitchFamily="34" charset="0"/>
-                </a:endParaRPr>
-              </a:p>
-            </p:txBody>
-          </p:sp>
-          <p:sp>
-            <p:nvSpPr>
-              <p:cNvPr id="395" name="Google Shape;640;p35">
-                <a:extLst>
-                  <a:ext uri="{FF2B5EF4-FFF2-40B4-BE49-F238E27FC236}">
-                    <a16:creationId xmlns:a16="http://schemas.microsoft.com/office/drawing/2014/main" id="{11CA76D9-BBB1-9FC7-89AB-EAA47FCF5C2A}"/>
-                  </a:ext>
-                </a:extLst>
-              </p:cNvPr>
-              <p:cNvSpPr/>
-              <p:nvPr/>
-            </p:nvSpPr>
-            <p:spPr>
-              <a:xfrm>
-                <a:off x="1072625" y="1832600"/>
-                <a:ext cx="126600" cy="126600"/>
-              </a:xfrm>
-              <a:prstGeom prst="rect">
-                <a:avLst/>
-              </a:prstGeom>
-              <a:solidFill>
-                <a:schemeClr val="dk1"/>
-              </a:solidFill>
-              <a:ln>
-                <a:noFill/>
-              </a:ln>
-            </p:spPr>
-            <p:txBody>
-              <a:bodyPr spcFirstLastPara="1" wrap="square" lIns="91425" tIns="91425" rIns="91425" bIns="91425" anchor="ctr" anchorCtr="0">
-                <a:noAutofit/>
-              </a:bodyPr>
-              <a:lstStyle/>
-              <a:p>
-                <a:pPr marL="0" lvl="0" indent="0" algn="l" rtl="0">
-                  <a:spcBef>
-                    <a:spcPts val="0"/>
-                  </a:spcBef>
-                  <a:spcAft>
-                    <a:spcPts val="0"/>
-                  </a:spcAft>
-                  <a:buNone/>
-                </a:pPr>
-                <a:endParaRPr>
-                  <a:latin typeface="Calibri" panose="020F0502020204030204" pitchFamily="34" charset="0"/>
-                  <a:ea typeface="Calibri" panose="020F0502020204030204" pitchFamily="34" charset="0"/>
-                  <a:cs typeface="Calibri" panose="020F0502020204030204" pitchFamily="34" charset="0"/>
-                </a:endParaRPr>
-              </a:p>
-            </p:txBody>
-          </p:sp>
-        </p:grpSp>
-        <p:sp>
-          <p:nvSpPr>
-            <p:cNvPr id="393" name="TextBox 392">
-              <a:extLst>
-                <a:ext uri="{FF2B5EF4-FFF2-40B4-BE49-F238E27FC236}">
-                  <a16:creationId xmlns:a16="http://schemas.microsoft.com/office/drawing/2014/main" id="{3CA043ED-2314-E406-C9D6-8BB99C41EDF6}"/>
-                </a:ext>
-              </a:extLst>
-            </p:cNvPr>
-            <p:cNvSpPr txBox="1"/>
-            <p:nvPr/>
-          </p:nvSpPr>
-          <p:spPr>
-            <a:xfrm>
-              <a:off x="4132535" y="1660083"/>
-              <a:ext cx="1360250" cy="581175"/>
-            </a:xfrm>
-            <a:prstGeom prst="rect">
-              <a:avLst/>
-            </a:prstGeom>
-            <a:noFill/>
-          </p:spPr>
-          <p:txBody>
-            <a:bodyPr wrap="square" rtlCol="0">
-              <a:spAutoFit/>
-            </a:bodyPr>
-            <a:lstStyle/>
-            <a:p>
-              <a:pPr algn="ctr"/>
-              <a:r>
-                <a:rPr lang="en-CA" dirty="0">
-                  <a:latin typeface="Calibri" panose="020F0502020204030204" pitchFamily="34" charset="0"/>
-                  <a:ea typeface="Calibri" panose="020F0502020204030204" pitchFamily="34" charset="0"/>
-                  <a:cs typeface="Calibri" panose="020F0502020204030204" pitchFamily="34" charset="0"/>
-                </a:rPr>
-                <a:t>Updated Work Performance</a:t>
-              </a:r>
-            </a:p>
-          </p:txBody>
-        </p:sp>
-      </p:grpSp>
-      <p:grpSp>
-        <p:nvGrpSpPr>
-          <p:cNvPr id="429" name="Group 428">
-            <a:extLst>
-              <a:ext uri="{FF2B5EF4-FFF2-40B4-BE49-F238E27FC236}">
-                <a16:creationId xmlns:a16="http://schemas.microsoft.com/office/drawing/2014/main" id="{1E507033-F661-F4C4-25D4-63F7A7C5DC1F}"/>
-              </a:ext>
-            </a:extLst>
-          </p:cNvPr>
-          <p:cNvGrpSpPr/>
-          <p:nvPr/>
-        </p:nvGrpSpPr>
-        <p:grpSpPr>
-          <a:xfrm>
-            <a:off x="420068" y="1234556"/>
-            <a:ext cx="4171399" cy="2709399"/>
-            <a:chOff x="169911" y="1229213"/>
-            <a:chExt cx="4171399" cy="2709399"/>
-          </a:xfrm>
-        </p:grpSpPr>
-        <p:grpSp>
-          <p:nvGrpSpPr>
-            <p:cNvPr id="27" name="Group 26">
-              <a:extLst>
-                <a:ext uri="{FF2B5EF4-FFF2-40B4-BE49-F238E27FC236}">
-                  <a16:creationId xmlns:a16="http://schemas.microsoft.com/office/drawing/2014/main" id="{EB459CE1-A135-84B4-5C9E-7BD3CBBBD8C2}"/>
-                </a:ext>
-              </a:extLst>
-            </p:cNvPr>
-            <p:cNvGrpSpPr/>
-            <p:nvPr/>
-          </p:nvGrpSpPr>
-          <p:grpSpPr>
-            <a:xfrm>
-              <a:off x="264019" y="1229983"/>
-              <a:ext cx="1241593" cy="1100486"/>
-              <a:chOff x="3555830" y="1317181"/>
-              <a:chExt cx="1048877" cy="903598"/>
-            </a:xfrm>
-          </p:grpSpPr>
-          <p:sp>
-            <p:nvSpPr>
-              <p:cNvPr id="29" name="TextBox 28">
-                <a:extLst>
-                  <a:ext uri="{FF2B5EF4-FFF2-40B4-BE49-F238E27FC236}">
-                    <a16:creationId xmlns:a16="http://schemas.microsoft.com/office/drawing/2014/main" id="{6FD616F6-89B1-1B65-66C7-47741E0A4811}"/>
-                  </a:ext>
-                </a:extLst>
-              </p:cNvPr>
-              <p:cNvSpPr txBox="1"/>
-              <p:nvPr/>
-            </p:nvSpPr>
-            <p:spPr>
-              <a:xfrm>
-                <a:off x="3585523" y="1489585"/>
-                <a:ext cx="994647" cy="606510"/>
-              </a:xfrm>
-              <a:prstGeom prst="rect">
-                <a:avLst/>
-              </a:prstGeom>
-              <a:noFill/>
-            </p:spPr>
-            <p:txBody>
-              <a:bodyPr wrap="square" rtlCol="0">
-                <a:spAutoFit/>
-              </a:bodyPr>
-              <a:lstStyle/>
-              <a:p>
-                <a:pPr marL="158750" indent="0" algn="ctr">
-                  <a:buClr>
-                    <a:srgbClr val="FF725E"/>
-                  </a:buClr>
-                  <a:buNone/>
-                </a:pPr>
-                <a:r>
-                  <a:rPr lang="en-US" b="1" dirty="0">
-                    <a:latin typeface="Calibri" panose="020F0502020204030204" pitchFamily="34" charset="0"/>
-                    <a:ea typeface="Calibri" panose="020F0502020204030204" pitchFamily="34" charset="0"/>
-                    <a:cs typeface="Calibri" panose="020F0502020204030204" pitchFamily="34" charset="0"/>
-                  </a:rPr>
-                  <a:t>Validate &amp; Control</a:t>
-                </a:r>
-              </a:p>
-              <a:p>
-                <a:pPr marL="158750" indent="0" algn="ctr">
-                  <a:buClr>
-                    <a:srgbClr val="FF725E"/>
-                  </a:buClr>
-                  <a:buNone/>
-                </a:pPr>
-                <a:r>
-                  <a:rPr lang="en-US" b="1" dirty="0">
-                    <a:latin typeface="Calibri" panose="020F0502020204030204" pitchFamily="34" charset="0"/>
-                    <a:ea typeface="Calibri" panose="020F0502020204030204" pitchFamily="34" charset="0"/>
-                    <a:cs typeface="Calibri" panose="020F0502020204030204" pitchFamily="34" charset="0"/>
-                  </a:rPr>
-                  <a:t>Scope</a:t>
-                </a:r>
-              </a:p>
-            </p:txBody>
-          </p:sp>
-          <p:grpSp>
-            <p:nvGrpSpPr>
-              <p:cNvPr id="28" name="Group 27">
-                <a:extLst>
-                  <a:ext uri="{FF2B5EF4-FFF2-40B4-BE49-F238E27FC236}">
-                    <a16:creationId xmlns:a16="http://schemas.microsoft.com/office/drawing/2014/main" id="{90E9A585-675C-48A0-B730-E137EC71C887}"/>
-                  </a:ext>
-                </a:extLst>
-              </p:cNvPr>
-              <p:cNvGrpSpPr/>
-              <p:nvPr/>
-            </p:nvGrpSpPr>
-            <p:grpSpPr>
-              <a:xfrm>
-                <a:off x="3555830" y="1317181"/>
-                <a:ext cx="1048877" cy="903598"/>
-                <a:chOff x="3555830" y="1317181"/>
-                <a:chExt cx="1048877" cy="903598"/>
-              </a:xfrm>
-            </p:grpSpPr>
-            <p:sp>
-              <p:nvSpPr>
-                <p:cNvPr id="30" name="Oval 29">
-                  <a:extLst>
-                    <a:ext uri="{FF2B5EF4-FFF2-40B4-BE49-F238E27FC236}">
-                      <a16:creationId xmlns:a16="http://schemas.microsoft.com/office/drawing/2014/main" id="{A85B44A8-5EBF-4691-6A1F-AEFF8713EF03}"/>
-                    </a:ext>
-                  </a:extLst>
-                </p:cNvPr>
-                <p:cNvSpPr/>
-                <p:nvPr/>
-              </p:nvSpPr>
-              <p:spPr>
-                <a:xfrm>
-                  <a:off x="3653196" y="1317181"/>
-                  <a:ext cx="951511" cy="903598"/>
-                </a:xfrm>
-                <a:prstGeom prst="ellipse">
-                  <a:avLst/>
-                </a:prstGeom>
-                <a:noFill/>
-                <a:ln w="9525" cap="flat" cmpd="sng">
-                  <a:solidFill>
-                    <a:schemeClr val="tx1"/>
-                  </a:solidFill>
-                  <a:prstDash val="solid"/>
-                  <a:round/>
-                  <a:headEnd type="none" w="sm" len="sm"/>
-                  <a:tailEnd type="none" w="sm" len="sm"/>
-                </a:ln>
-              </p:spPr>
-              <p:txBody>
-                <a:bodyPr spcFirstLastPara="1" wrap="square" lIns="91425" tIns="91425" rIns="91425" bIns="91425" anchor="ctr" anchorCtr="0">
-                  <a:noAutofit/>
-                </a:bodyPr>
-                <a:lstStyle/>
-                <a:p>
-                  <a:endParaRPr lang="en-CA" sz="1200">
-                    <a:solidFill>
-                      <a:srgbClr val="000000"/>
-                    </a:solidFill>
-                    <a:latin typeface="Calibri" panose="020F0502020204030204" pitchFamily="34" charset="0"/>
-                    <a:ea typeface="Calibri" panose="020F0502020204030204" pitchFamily="34" charset="0"/>
-                    <a:cs typeface="Calibri" panose="020F0502020204030204" pitchFamily="34" charset="0"/>
-                  </a:endParaRPr>
-                </a:p>
-              </p:txBody>
-            </p:sp>
-            <p:sp>
-              <p:nvSpPr>
-                <p:cNvPr id="31" name="Google Shape;640;p35">
-                  <a:extLst>
-                    <a:ext uri="{FF2B5EF4-FFF2-40B4-BE49-F238E27FC236}">
-                      <a16:creationId xmlns:a16="http://schemas.microsoft.com/office/drawing/2014/main" id="{14504397-B607-0203-481C-CEB5785138B7}"/>
-                    </a:ext>
-                  </a:extLst>
-                </p:cNvPr>
-                <p:cNvSpPr/>
-                <p:nvPr/>
-              </p:nvSpPr>
-              <p:spPr>
-                <a:xfrm>
-                  <a:off x="3555830" y="1664241"/>
-                  <a:ext cx="194732" cy="112786"/>
-                </a:xfrm>
-                <a:prstGeom prst="rect">
-                  <a:avLst/>
-                </a:prstGeom>
-                <a:solidFill>
-                  <a:srgbClr val="FF725E"/>
-                </a:solidFill>
-                <a:ln>
-                  <a:noFill/>
-                </a:ln>
-              </p:spPr>
-              <p:txBody>
-                <a:bodyPr spcFirstLastPara="1" wrap="square" lIns="91425" tIns="91425" rIns="91425" bIns="91425" anchor="ctr" anchorCtr="0">
-                  <a:noAutofit/>
-                </a:bodyPr>
-                <a:lstStyle/>
-                <a:p>
-                  <a:pPr marL="0" lvl="0" indent="0" algn="l" rtl="0">
-                    <a:spcBef>
-                      <a:spcPts val="0"/>
-                    </a:spcBef>
-                    <a:spcAft>
-                      <a:spcPts val="0"/>
-                    </a:spcAft>
-                    <a:buNone/>
-                  </a:pPr>
-                  <a:endParaRPr sz="1200">
-                    <a:latin typeface="Calibri" panose="020F0502020204030204" pitchFamily="34" charset="0"/>
-                    <a:ea typeface="Calibri" panose="020F0502020204030204" pitchFamily="34" charset="0"/>
-                    <a:cs typeface="Calibri" panose="020F0502020204030204" pitchFamily="34" charset="0"/>
-                  </a:endParaRPr>
-                </a:p>
-              </p:txBody>
-            </p:sp>
-          </p:grpSp>
-        </p:grpSp>
-        <p:grpSp>
-          <p:nvGrpSpPr>
-            <p:cNvPr id="25" name="Group 24">
-              <a:extLst>
-                <a:ext uri="{FF2B5EF4-FFF2-40B4-BE49-F238E27FC236}">
-                  <a16:creationId xmlns:a16="http://schemas.microsoft.com/office/drawing/2014/main" id="{145F6668-B925-E58F-0778-F353C60A1FCE}"/>
-                </a:ext>
-              </a:extLst>
-            </p:cNvPr>
-            <p:cNvGrpSpPr/>
-            <p:nvPr/>
-          </p:nvGrpSpPr>
-          <p:grpSpPr>
-            <a:xfrm>
-              <a:off x="1597389" y="1229213"/>
-              <a:ext cx="1241593" cy="1100486"/>
-              <a:chOff x="3555830" y="1317181"/>
-              <a:chExt cx="1048877" cy="903598"/>
-            </a:xfrm>
-          </p:grpSpPr>
-          <p:sp>
-            <p:nvSpPr>
-              <p:cNvPr id="26" name="TextBox 25">
-                <a:extLst>
-                  <a:ext uri="{FF2B5EF4-FFF2-40B4-BE49-F238E27FC236}">
-                    <a16:creationId xmlns:a16="http://schemas.microsoft.com/office/drawing/2014/main" id="{26480D24-7C38-0E11-E23A-574C98785D1F}"/>
-                  </a:ext>
-                </a:extLst>
-              </p:cNvPr>
-              <p:cNvSpPr txBox="1"/>
-              <p:nvPr/>
-            </p:nvSpPr>
-            <p:spPr>
-              <a:xfrm>
-                <a:off x="3577337" y="1473681"/>
-                <a:ext cx="994647" cy="606510"/>
-              </a:xfrm>
-              <a:prstGeom prst="rect">
-                <a:avLst/>
-              </a:prstGeom>
-              <a:noFill/>
-            </p:spPr>
-            <p:txBody>
-              <a:bodyPr wrap="square" rtlCol="0">
-                <a:spAutoFit/>
-              </a:bodyPr>
-              <a:lstStyle/>
-              <a:p>
-                <a:pPr marL="158750" indent="0" algn="ctr">
-                  <a:buClr>
-                    <a:srgbClr val="FF725E"/>
-                  </a:buClr>
-                  <a:buNone/>
-                </a:pPr>
-                <a:r>
-                  <a:rPr lang="en-US" b="1" dirty="0">
-                    <a:latin typeface="Calibri" panose="020F0502020204030204" pitchFamily="34" charset="0"/>
-                    <a:ea typeface="Calibri" panose="020F0502020204030204" pitchFamily="34" charset="0"/>
-                    <a:cs typeface="Calibri" panose="020F0502020204030204" pitchFamily="34" charset="0"/>
-                  </a:rPr>
-                  <a:t>Control Cost &amp; Schedule</a:t>
-                </a:r>
-              </a:p>
-            </p:txBody>
-          </p:sp>
-          <p:grpSp>
-            <p:nvGrpSpPr>
-              <p:cNvPr id="33" name="Group 32">
-                <a:extLst>
-                  <a:ext uri="{FF2B5EF4-FFF2-40B4-BE49-F238E27FC236}">
-                    <a16:creationId xmlns:a16="http://schemas.microsoft.com/office/drawing/2014/main" id="{93536F8A-FBFB-DEC5-9122-EE121DB30AE0}"/>
-                  </a:ext>
-                </a:extLst>
-              </p:cNvPr>
-              <p:cNvGrpSpPr/>
-              <p:nvPr/>
-            </p:nvGrpSpPr>
-            <p:grpSpPr>
-              <a:xfrm>
-                <a:off x="3555830" y="1317181"/>
-                <a:ext cx="1048877" cy="903598"/>
-                <a:chOff x="3555830" y="1317181"/>
-                <a:chExt cx="1048877" cy="903598"/>
-              </a:xfrm>
-            </p:grpSpPr>
-            <p:sp>
-              <p:nvSpPr>
-                <p:cNvPr id="34" name="Oval 33">
-                  <a:extLst>
-                    <a:ext uri="{FF2B5EF4-FFF2-40B4-BE49-F238E27FC236}">
-                      <a16:creationId xmlns:a16="http://schemas.microsoft.com/office/drawing/2014/main" id="{F0612DB5-75EC-B4C4-92D4-0D3AEBD8AB1A}"/>
-                    </a:ext>
-                  </a:extLst>
-                </p:cNvPr>
-                <p:cNvSpPr/>
-                <p:nvPr/>
-              </p:nvSpPr>
-              <p:spPr>
-                <a:xfrm>
-                  <a:off x="3653196" y="1317181"/>
-                  <a:ext cx="951511" cy="903598"/>
-                </a:xfrm>
-                <a:prstGeom prst="ellipse">
-                  <a:avLst/>
-                </a:prstGeom>
-                <a:noFill/>
-                <a:ln w="9525" cap="flat" cmpd="sng">
-                  <a:solidFill>
-                    <a:schemeClr val="tx1"/>
-                  </a:solidFill>
-                  <a:prstDash val="solid"/>
-                  <a:round/>
-                  <a:headEnd type="none" w="sm" len="sm"/>
-                  <a:tailEnd type="none" w="sm" len="sm"/>
-                </a:ln>
-              </p:spPr>
-              <p:txBody>
-                <a:bodyPr spcFirstLastPara="1" wrap="square" lIns="91425" tIns="91425" rIns="91425" bIns="91425" anchor="ctr" anchorCtr="0">
-                  <a:noAutofit/>
-                </a:bodyPr>
-                <a:lstStyle/>
-                <a:p>
-                  <a:endParaRPr lang="en-CA" sz="1200">
-                    <a:solidFill>
-                      <a:srgbClr val="000000"/>
-                    </a:solidFill>
-                    <a:latin typeface="Calibri" panose="020F0502020204030204" pitchFamily="34" charset="0"/>
-                    <a:ea typeface="Calibri" panose="020F0502020204030204" pitchFamily="34" charset="0"/>
-                    <a:cs typeface="Calibri" panose="020F0502020204030204" pitchFamily="34" charset="0"/>
-                  </a:endParaRPr>
-                </a:p>
-              </p:txBody>
-            </p:sp>
-            <p:sp>
-              <p:nvSpPr>
-                <p:cNvPr id="35" name="Google Shape;640;p35">
-                  <a:extLst>
-                    <a:ext uri="{FF2B5EF4-FFF2-40B4-BE49-F238E27FC236}">
-                      <a16:creationId xmlns:a16="http://schemas.microsoft.com/office/drawing/2014/main" id="{A9239959-6063-017E-5E3A-EC4B12B82F23}"/>
-                    </a:ext>
-                  </a:extLst>
-                </p:cNvPr>
-                <p:cNvSpPr/>
-                <p:nvPr/>
-              </p:nvSpPr>
-              <p:spPr>
-                <a:xfrm>
-                  <a:off x="3555830" y="1664241"/>
-                  <a:ext cx="194732" cy="112786"/>
-                </a:xfrm>
-                <a:prstGeom prst="rect">
-                  <a:avLst/>
-                </a:prstGeom>
-                <a:solidFill>
-                  <a:srgbClr val="FF725E"/>
-                </a:solidFill>
-                <a:ln>
-                  <a:noFill/>
-                </a:ln>
-              </p:spPr>
-              <p:txBody>
-                <a:bodyPr spcFirstLastPara="1" wrap="square" lIns="91425" tIns="91425" rIns="91425" bIns="91425" anchor="ctr" anchorCtr="0">
-                  <a:noAutofit/>
-                </a:bodyPr>
-                <a:lstStyle/>
-                <a:p>
-                  <a:pPr marL="0" lvl="0" indent="0" algn="l" rtl="0">
-                    <a:spcBef>
-                      <a:spcPts val="0"/>
-                    </a:spcBef>
-                    <a:spcAft>
-                      <a:spcPts val="0"/>
-                    </a:spcAft>
-                    <a:buNone/>
-                  </a:pPr>
-                  <a:endParaRPr sz="1200">
-                    <a:latin typeface="Calibri" panose="020F0502020204030204" pitchFamily="34" charset="0"/>
-                    <a:ea typeface="Calibri" panose="020F0502020204030204" pitchFamily="34" charset="0"/>
-                    <a:cs typeface="Calibri" panose="020F0502020204030204" pitchFamily="34" charset="0"/>
-                  </a:endParaRPr>
-                </a:p>
-              </p:txBody>
-            </p:sp>
-          </p:grpSp>
-        </p:grpSp>
-        <p:grpSp>
-          <p:nvGrpSpPr>
-            <p:cNvPr id="36" name="Group 35">
-              <a:extLst>
-                <a:ext uri="{FF2B5EF4-FFF2-40B4-BE49-F238E27FC236}">
-                  <a16:creationId xmlns:a16="http://schemas.microsoft.com/office/drawing/2014/main" id="{39A6B11C-DE7B-DE66-D8A5-BE821ABE2CFF}"/>
-                </a:ext>
-              </a:extLst>
-            </p:cNvPr>
-            <p:cNvGrpSpPr/>
-            <p:nvPr/>
-          </p:nvGrpSpPr>
-          <p:grpSpPr>
-            <a:xfrm>
-              <a:off x="169911" y="2431761"/>
-              <a:ext cx="1413969" cy="1100486"/>
-              <a:chOff x="3492989" y="1317181"/>
-              <a:chExt cx="1194497" cy="903598"/>
-            </a:xfrm>
-          </p:grpSpPr>
-          <p:sp>
-            <p:nvSpPr>
-              <p:cNvPr id="37" name="TextBox 36">
-                <a:extLst>
-                  <a:ext uri="{FF2B5EF4-FFF2-40B4-BE49-F238E27FC236}">
-                    <a16:creationId xmlns:a16="http://schemas.microsoft.com/office/drawing/2014/main" id="{5C9FB578-B995-6E6E-6CF7-7F46ABAF1CAF}"/>
-                  </a:ext>
-                </a:extLst>
-              </p:cNvPr>
-              <p:cNvSpPr txBox="1"/>
-              <p:nvPr/>
-            </p:nvSpPr>
-            <p:spPr>
-              <a:xfrm>
-                <a:off x="3492989" y="1559208"/>
-                <a:ext cx="1194497" cy="429611"/>
-              </a:xfrm>
-              <a:prstGeom prst="rect">
-                <a:avLst/>
-              </a:prstGeom>
-              <a:noFill/>
-            </p:spPr>
-            <p:txBody>
-              <a:bodyPr wrap="square" rtlCol="0">
-                <a:spAutoFit/>
-              </a:bodyPr>
-              <a:lstStyle/>
-              <a:p>
-                <a:pPr marL="158750" indent="0" algn="ctr">
-                  <a:buClr>
-                    <a:srgbClr val="FF725E"/>
-                  </a:buClr>
-                  <a:buNone/>
-                </a:pPr>
-                <a:r>
-                  <a:rPr lang="en-US" b="1" dirty="0">
-                    <a:latin typeface="Calibri" panose="020F0502020204030204" pitchFamily="34" charset="0"/>
-                    <a:ea typeface="Calibri" panose="020F0502020204030204" pitchFamily="34" charset="0"/>
-                    <a:cs typeface="Calibri" panose="020F0502020204030204" pitchFamily="34" charset="0"/>
-                  </a:rPr>
-                  <a:t>Control Resources</a:t>
-                </a:r>
-              </a:p>
-            </p:txBody>
-          </p:sp>
-          <p:grpSp>
-            <p:nvGrpSpPr>
-              <p:cNvPr id="38" name="Group 37">
-                <a:extLst>
-                  <a:ext uri="{FF2B5EF4-FFF2-40B4-BE49-F238E27FC236}">
-                    <a16:creationId xmlns:a16="http://schemas.microsoft.com/office/drawing/2014/main" id="{9596216C-1BEB-F0FE-DD52-AE6F4EA89912}"/>
-                  </a:ext>
-                </a:extLst>
-              </p:cNvPr>
-              <p:cNvGrpSpPr/>
-              <p:nvPr/>
-            </p:nvGrpSpPr>
-            <p:grpSpPr>
-              <a:xfrm>
-                <a:off x="3555830" y="1317181"/>
-                <a:ext cx="1048877" cy="903598"/>
-                <a:chOff x="3555830" y="1317181"/>
-                <a:chExt cx="1048877" cy="903598"/>
-              </a:xfrm>
-            </p:grpSpPr>
-            <p:sp>
-              <p:nvSpPr>
-                <p:cNvPr id="39" name="Oval 38">
-                  <a:extLst>
-                    <a:ext uri="{FF2B5EF4-FFF2-40B4-BE49-F238E27FC236}">
-                      <a16:creationId xmlns:a16="http://schemas.microsoft.com/office/drawing/2014/main" id="{F7630DF6-7292-4CB9-B494-24CB683488E4}"/>
-                    </a:ext>
-                  </a:extLst>
-                </p:cNvPr>
-                <p:cNvSpPr/>
-                <p:nvPr/>
-              </p:nvSpPr>
-              <p:spPr>
-                <a:xfrm>
-                  <a:off x="3653196" y="1317181"/>
-                  <a:ext cx="951511" cy="903598"/>
-                </a:xfrm>
-                <a:prstGeom prst="ellipse">
-                  <a:avLst/>
-                </a:prstGeom>
-                <a:noFill/>
-                <a:ln w="9525" cap="flat" cmpd="sng">
-                  <a:solidFill>
-                    <a:schemeClr val="tx1"/>
-                  </a:solidFill>
-                  <a:prstDash val="solid"/>
-                  <a:round/>
-                  <a:headEnd type="none" w="sm" len="sm"/>
-                  <a:tailEnd type="none" w="sm" len="sm"/>
-                </a:ln>
-              </p:spPr>
-              <p:txBody>
-                <a:bodyPr spcFirstLastPara="1" wrap="square" lIns="91425" tIns="91425" rIns="91425" bIns="91425" anchor="ctr" anchorCtr="0">
-                  <a:noAutofit/>
-                </a:bodyPr>
-                <a:lstStyle/>
-                <a:p>
-                  <a:endParaRPr lang="en-CA" sz="1200">
-                    <a:solidFill>
-                      <a:srgbClr val="000000"/>
-                    </a:solidFill>
-                    <a:latin typeface="Calibri" panose="020F0502020204030204" pitchFamily="34" charset="0"/>
-                    <a:ea typeface="Calibri" panose="020F0502020204030204" pitchFamily="34" charset="0"/>
-                    <a:cs typeface="Calibri" panose="020F0502020204030204" pitchFamily="34" charset="0"/>
-                  </a:endParaRPr>
-                </a:p>
-              </p:txBody>
-            </p:sp>
-            <p:sp>
-              <p:nvSpPr>
-                <p:cNvPr id="40" name="Google Shape;640;p35">
-                  <a:extLst>
-                    <a:ext uri="{FF2B5EF4-FFF2-40B4-BE49-F238E27FC236}">
-                      <a16:creationId xmlns:a16="http://schemas.microsoft.com/office/drawing/2014/main" id="{C514CD5E-6191-73BD-CA9E-55107D3DD3C8}"/>
-                    </a:ext>
-                  </a:extLst>
-                </p:cNvPr>
-                <p:cNvSpPr/>
-                <p:nvPr/>
-              </p:nvSpPr>
-              <p:spPr>
-                <a:xfrm>
-                  <a:off x="3555830" y="1664241"/>
-                  <a:ext cx="194732" cy="112786"/>
-                </a:xfrm>
-                <a:prstGeom prst="rect">
-                  <a:avLst/>
-                </a:prstGeom>
-                <a:solidFill>
-                  <a:srgbClr val="FF725E"/>
-                </a:solidFill>
-                <a:ln>
-                  <a:noFill/>
-                </a:ln>
-              </p:spPr>
-              <p:txBody>
-                <a:bodyPr spcFirstLastPara="1" wrap="square" lIns="91425" tIns="91425" rIns="91425" bIns="91425" anchor="ctr" anchorCtr="0">
-                  <a:noAutofit/>
-                </a:bodyPr>
-                <a:lstStyle/>
-                <a:p>
-                  <a:pPr marL="0" lvl="0" indent="0" algn="l" rtl="0">
-                    <a:spcBef>
-                      <a:spcPts val="0"/>
-                    </a:spcBef>
-                    <a:spcAft>
-                      <a:spcPts val="0"/>
-                    </a:spcAft>
-                    <a:buNone/>
-                  </a:pPr>
-                  <a:endParaRPr sz="1200">
-                    <a:latin typeface="Calibri" panose="020F0502020204030204" pitchFamily="34" charset="0"/>
-                    <a:ea typeface="Calibri" panose="020F0502020204030204" pitchFamily="34" charset="0"/>
-                    <a:cs typeface="Calibri" panose="020F0502020204030204" pitchFamily="34" charset="0"/>
-                  </a:endParaRPr>
-                </a:p>
-              </p:txBody>
-            </p:sp>
-          </p:grpSp>
-        </p:grpSp>
-        <p:grpSp>
-          <p:nvGrpSpPr>
-            <p:cNvPr id="41" name="Group 40">
-              <a:extLst>
-                <a:ext uri="{FF2B5EF4-FFF2-40B4-BE49-F238E27FC236}">
-                  <a16:creationId xmlns:a16="http://schemas.microsoft.com/office/drawing/2014/main" id="{61C1CAB7-F00C-7B1B-0B29-003451FDEC35}"/>
-                </a:ext>
-              </a:extLst>
-            </p:cNvPr>
-            <p:cNvGrpSpPr/>
-            <p:nvPr/>
-          </p:nvGrpSpPr>
-          <p:grpSpPr>
-            <a:xfrm>
-              <a:off x="2960989" y="1244947"/>
-              <a:ext cx="1241593" cy="1100486"/>
-              <a:chOff x="3555830" y="1317181"/>
-              <a:chExt cx="1048877" cy="903598"/>
-            </a:xfrm>
-          </p:grpSpPr>
-          <p:sp>
-            <p:nvSpPr>
-              <p:cNvPr id="42" name="TextBox 41">
-                <a:extLst>
-                  <a:ext uri="{FF2B5EF4-FFF2-40B4-BE49-F238E27FC236}">
-                    <a16:creationId xmlns:a16="http://schemas.microsoft.com/office/drawing/2014/main" id="{99C33BF1-92DB-4288-3680-84790761EF63}"/>
-                  </a:ext>
-                </a:extLst>
-              </p:cNvPr>
-              <p:cNvSpPr txBox="1"/>
-              <p:nvPr/>
-            </p:nvSpPr>
-            <p:spPr>
-              <a:xfrm>
-                <a:off x="3585525" y="1541091"/>
-                <a:ext cx="994647" cy="429611"/>
-              </a:xfrm>
-              <a:prstGeom prst="rect">
-                <a:avLst/>
-              </a:prstGeom>
-              <a:noFill/>
-            </p:spPr>
-            <p:txBody>
-              <a:bodyPr wrap="square" rtlCol="0">
-                <a:spAutoFit/>
-              </a:bodyPr>
-              <a:lstStyle/>
-              <a:p>
-                <a:pPr marL="158750" indent="0" algn="ctr">
-                  <a:buClr>
-                    <a:srgbClr val="FF725E"/>
-                  </a:buClr>
-                  <a:buNone/>
-                </a:pPr>
-                <a:r>
-                  <a:rPr lang="en-US" b="1" dirty="0">
-                    <a:latin typeface="Calibri" panose="020F0502020204030204" pitchFamily="34" charset="0"/>
-                    <a:ea typeface="Calibri" panose="020F0502020204030204" pitchFamily="34" charset="0"/>
-                    <a:cs typeface="Calibri" panose="020F0502020204030204" pitchFamily="34" charset="0"/>
-                  </a:rPr>
-                  <a:t>Control Quality</a:t>
-                </a:r>
-              </a:p>
-            </p:txBody>
-          </p:sp>
-          <p:grpSp>
-            <p:nvGrpSpPr>
-              <p:cNvPr id="43" name="Group 42">
-                <a:extLst>
-                  <a:ext uri="{FF2B5EF4-FFF2-40B4-BE49-F238E27FC236}">
-                    <a16:creationId xmlns:a16="http://schemas.microsoft.com/office/drawing/2014/main" id="{C5548D8F-3717-769D-30C7-AFEE31C6CD5E}"/>
-                  </a:ext>
-                </a:extLst>
-              </p:cNvPr>
-              <p:cNvGrpSpPr/>
-              <p:nvPr/>
-            </p:nvGrpSpPr>
-            <p:grpSpPr>
-              <a:xfrm>
-                <a:off x="3555830" y="1317181"/>
-                <a:ext cx="1048877" cy="903598"/>
-                <a:chOff x="3555830" y="1317181"/>
-                <a:chExt cx="1048877" cy="903598"/>
-              </a:xfrm>
-            </p:grpSpPr>
-            <p:sp>
-              <p:nvSpPr>
-                <p:cNvPr id="45" name="Oval 44">
-                  <a:extLst>
-                    <a:ext uri="{FF2B5EF4-FFF2-40B4-BE49-F238E27FC236}">
-                      <a16:creationId xmlns:a16="http://schemas.microsoft.com/office/drawing/2014/main" id="{98283F2D-6995-0D13-560A-D5161CF400D8}"/>
-                    </a:ext>
-                  </a:extLst>
-                </p:cNvPr>
-                <p:cNvSpPr/>
-                <p:nvPr/>
-              </p:nvSpPr>
-              <p:spPr>
-                <a:xfrm>
-                  <a:off x="3653196" y="1317181"/>
-                  <a:ext cx="951511" cy="903598"/>
-                </a:xfrm>
-                <a:prstGeom prst="ellipse">
-                  <a:avLst/>
-                </a:prstGeom>
-                <a:noFill/>
-                <a:ln w="9525" cap="flat" cmpd="sng">
-                  <a:solidFill>
-                    <a:schemeClr val="tx1"/>
-                  </a:solidFill>
-                  <a:prstDash val="solid"/>
-                  <a:round/>
-                  <a:headEnd type="none" w="sm" len="sm"/>
-                  <a:tailEnd type="none" w="sm" len="sm"/>
-                </a:ln>
-              </p:spPr>
-              <p:txBody>
-                <a:bodyPr spcFirstLastPara="1" wrap="square" lIns="91425" tIns="91425" rIns="91425" bIns="91425" anchor="ctr" anchorCtr="0">
-                  <a:noAutofit/>
-                </a:bodyPr>
-                <a:lstStyle/>
-                <a:p>
-                  <a:endParaRPr lang="en-CA" sz="1200">
-                    <a:solidFill>
-                      <a:srgbClr val="000000"/>
-                    </a:solidFill>
-                    <a:latin typeface="Calibri" panose="020F0502020204030204" pitchFamily="34" charset="0"/>
-                    <a:ea typeface="Calibri" panose="020F0502020204030204" pitchFamily="34" charset="0"/>
-                    <a:cs typeface="Calibri" panose="020F0502020204030204" pitchFamily="34" charset="0"/>
-                  </a:endParaRPr>
-                </a:p>
-              </p:txBody>
-            </p:sp>
-            <p:sp>
-              <p:nvSpPr>
-                <p:cNvPr id="46" name="Google Shape;640;p35">
-                  <a:extLst>
-                    <a:ext uri="{FF2B5EF4-FFF2-40B4-BE49-F238E27FC236}">
-                      <a16:creationId xmlns:a16="http://schemas.microsoft.com/office/drawing/2014/main" id="{03D29E38-EE40-2219-21BC-0EC453FCAD6D}"/>
-                    </a:ext>
-                  </a:extLst>
-                </p:cNvPr>
-                <p:cNvSpPr/>
-                <p:nvPr/>
-              </p:nvSpPr>
-              <p:spPr>
-                <a:xfrm>
-                  <a:off x="3555830" y="1664241"/>
-                  <a:ext cx="194732" cy="112786"/>
-                </a:xfrm>
-                <a:prstGeom prst="rect">
-                  <a:avLst/>
-                </a:prstGeom>
-                <a:solidFill>
-                  <a:srgbClr val="FF725E"/>
-                </a:solidFill>
-                <a:ln>
-                  <a:noFill/>
-                </a:ln>
-              </p:spPr>
-              <p:txBody>
-                <a:bodyPr spcFirstLastPara="1" wrap="square" lIns="91425" tIns="91425" rIns="91425" bIns="91425" anchor="ctr" anchorCtr="0">
-                  <a:noAutofit/>
-                </a:bodyPr>
-                <a:lstStyle/>
-                <a:p>
-                  <a:pPr marL="0" lvl="0" indent="0" algn="l" rtl="0">
-                    <a:spcBef>
-                      <a:spcPts val="0"/>
-                    </a:spcBef>
-                    <a:spcAft>
-                      <a:spcPts val="0"/>
-                    </a:spcAft>
-                    <a:buNone/>
-                  </a:pPr>
-                  <a:endParaRPr sz="1200">
-                    <a:latin typeface="Calibri" panose="020F0502020204030204" pitchFamily="34" charset="0"/>
-                    <a:ea typeface="Calibri" panose="020F0502020204030204" pitchFamily="34" charset="0"/>
-                    <a:cs typeface="Calibri" panose="020F0502020204030204" pitchFamily="34" charset="0"/>
-                  </a:endParaRPr>
-                </a:p>
-              </p:txBody>
-            </p:sp>
-          </p:grpSp>
-        </p:grpSp>
-        <p:grpSp>
-          <p:nvGrpSpPr>
-            <p:cNvPr id="47" name="Group 46">
-              <a:extLst>
-                <a:ext uri="{FF2B5EF4-FFF2-40B4-BE49-F238E27FC236}">
-                  <a16:creationId xmlns:a16="http://schemas.microsoft.com/office/drawing/2014/main" id="{2C831011-BD15-CFEA-1E1E-D406A2CD539D}"/>
-                </a:ext>
-              </a:extLst>
-            </p:cNvPr>
-            <p:cNvGrpSpPr/>
-            <p:nvPr/>
-          </p:nvGrpSpPr>
-          <p:grpSpPr>
-            <a:xfrm>
-              <a:off x="1502334" y="2409738"/>
-              <a:ext cx="1413968" cy="1100486"/>
-              <a:chOff x="3468571" y="1317181"/>
-              <a:chExt cx="1194497" cy="903598"/>
-            </a:xfrm>
-          </p:grpSpPr>
-          <p:sp>
-            <p:nvSpPr>
-              <p:cNvPr id="50" name="TextBox 49">
-                <a:extLst>
-                  <a:ext uri="{FF2B5EF4-FFF2-40B4-BE49-F238E27FC236}">
-                    <a16:creationId xmlns:a16="http://schemas.microsoft.com/office/drawing/2014/main" id="{8D5082C7-3582-0324-FDE5-0F1C71F5CB96}"/>
-                  </a:ext>
-                </a:extLst>
-              </p:cNvPr>
-              <p:cNvSpPr txBox="1"/>
-              <p:nvPr/>
-            </p:nvSpPr>
-            <p:spPr>
-              <a:xfrm>
-                <a:off x="3468571" y="1506192"/>
-                <a:ext cx="1194497" cy="606510"/>
-              </a:xfrm>
-              <a:prstGeom prst="rect">
-                <a:avLst/>
-              </a:prstGeom>
-              <a:noFill/>
-            </p:spPr>
-            <p:txBody>
-              <a:bodyPr wrap="square" rtlCol="0">
-                <a:spAutoFit/>
-              </a:bodyPr>
-              <a:lstStyle/>
-              <a:p>
-                <a:pPr marL="158750" indent="0" algn="ctr">
-                  <a:buClr>
-                    <a:srgbClr val="FF725E"/>
-                  </a:buClr>
-                  <a:buNone/>
-                </a:pPr>
-                <a:r>
-                  <a:rPr lang="en-US" b="1" dirty="0">
-                    <a:latin typeface="Calibri" panose="020F0502020204030204" pitchFamily="34" charset="0"/>
-                    <a:ea typeface="Calibri" panose="020F0502020204030204" pitchFamily="34" charset="0"/>
-                    <a:cs typeface="Calibri" panose="020F0502020204030204" pitchFamily="34" charset="0"/>
-                  </a:rPr>
-                  <a:t>Monitor Communications</a:t>
-                </a:r>
-              </a:p>
-            </p:txBody>
-          </p:sp>
-          <p:grpSp>
-            <p:nvGrpSpPr>
-              <p:cNvPr id="54" name="Group 53">
-                <a:extLst>
-                  <a:ext uri="{FF2B5EF4-FFF2-40B4-BE49-F238E27FC236}">
-                    <a16:creationId xmlns:a16="http://schemas.microsoft.com/office/drawing/2014/main" id="{8EF343B9-1DCE-0BCC-D91C-388AFD1C8EB6}"/>
-                  </a:ext>
-                </a:extLst>
-              </p:cNvPr>
-              <p:cNvGrpSpPr/>
-              <p:nvPr/>
-            </p:nvGrpSpPr>
-            <p:grpSpPr>
-              <a:xfrm>
-                <a:off x="3555830" y="1317181"/>
-                <a:ext cx="1048877" cy="903598"/>
-                <a:chOff x="3555830" y="1317181"/>
-                <a:chExt cx="1048877" cy="903598"/>
-              </a:xfrm>
-            </p:grpSpPr>
-            <p:sp>
-              <p:nvSpPr>
-                <p:cNvPr id="55" name="Oval 54">
-                  <a:extLst>
-                    <a:ext uri="{FF2B5EF4-FFF2-40B4-BE49-F238E27FC236}">
-                      <a16:creationId xmlns:a16="http://schemas.microsoft.com/office/drawing/2014/main" id="{E44754CA-A40F-6C2A-5ABD-04FD06CBEF89}"/>
-                    </a:ext>
-                  </a:extLst>
-                </p:cNvPr>
-                <p:cNvSpPr/>
-                <p:nvPr/>
-              </p:nvSpPr>
-              <p:spPr>
-                <a:xfrm>
-                  <a:off x="3653196" y="1317181"/>
-                  <a:ext cx="951511" cy="903598"/>
-                </a:xfrm>
-                <a:prstGeom prst="ellipse">
-                  <a:avLst/>
-                </a:prstGeom>
-                <a:noFill/>
-                <a:ln w="9525" cap="flat" cmpd="sng">
-                  <a:solidFill>
-                    <a:schemeClr val="tx1"/>
-                  </a:solidFill>
-                  <a:prstDash val="solid"/>
-                  <a:round/>
-                  <a:headEnd type="none" w="sm" len="sm"/>
-                  <a:tailEnd type="none" w="sm" len="sm"/>
-                </a:ln>
-              </p:spPr>
-              <p:txBody>
-                <a:bodyPr spcFirstLastPara="1" wrap="square" lIns="91425" tIns="91425" rIns="91425" bIns="91425" anchor="ctr" anchorCtr="0">
-                  <a:noAutofit/>
-                </a:bodyPr>
-                <a:lstStyle/>
-                <a:p>
-                  <a:endParaRPr lang="en-CA" sz="1200">
-                    <a:solidFill>
-                      <a:srgbClr val="000000"/>
-                    </a:solidFill>
-                    <a:latin typeface="Calibri" panose="020F0502020204030204" pitchFamily="34" charset="0"/>
-                    <a:ea typeface="Calibri" panose="020F0502020204030204" pitchFamily="34" charset="0"/>
-                    <a:cs typeface="Calibri" panose="020F0502020204030204" pitchFamily="34" charset="0"/>
-                  </a:endParaRPr>
-                </a:p>
-              </p:txBody>
-            </p:sp>
-            <p:sp>
-              <p:nvSpPr>
-                <p:cNvPr id="56" name="Google Shape;640;p35">
-                  <a:extLst>
-                    <a:ext uri="{FF2B5EF4-FFF2-40B4-BE49-F238E27FC236}">
-                      <a16:creationId xmlns:a16="http://schemas.microsoft.com/office/drawing/2014/main" id="{FD0DB0ED-2EC0-832B-4747-03C2FE056860}"/>
-                    </a:ext>
-                  </a:extLst>
-                </p:cNvPr>
-                <p:cNvSpPr/>
-                <p:nvPr/>
-              </p:nvSpPr>
-              <p:spPr>
-                <a:xfrm>
-                  <a:off x="3555830" y="1664241"/>
-                  <a:ext cx="194732" cy="112786"/>
-                </a:xfrm>
-                <a:prstGeom prst="rect">
-                  <a:avLst/>
-                </a:prstGeom>
-                <a:solidFill>
-                  <a:srgbClr val="FF725E"/>
-                </a:solidFill>
-                <a:ln>
-                  <a:noFill/>
-                </a:ln>
-              </p:spPr>
-              <p:txBody>
-                <a:bodyPr spcFirstLastPara="1" wrap="square" lIns="91425" tIns="91425" rIns="91425" bIns="91425" anchor="ctr" anchorCtr="0">
-                  <a:noAutofit/>
-                </a:bodyPr>
-                <a:lstStyle/>
-                <a:p>
-                  <a:pPr marL="0" lvl="0" indent="0" algn="l" rtl="0">
-                    <a:spcBef>
-                      <a:spcPts val="0"/>
-                    </a:spcBef>
-                    <a:spcAft>
-                      <a:spcPts val="0"/>
-                    </a:spcAft>
-                    <a:buNone/>
-                  </a:pPr>
-                  <a:endParaRPr sz="1200">
-                    <a:latin typeface="Calibri" panose="020F0502020204030204" pitchFamily="34" charset="0"/>
-                    <a:ea typeface="Calibri" panose="020F0502020204030204" pitchFamily="34" charset="0"/>
-                    <a:cs typeface="Calibri" panose="020F0502020204030204" pitchFamily="34" charset="0"/>
-                  </a:endParaRPr>
-                </a:p>
-              </p:txBody>
-            </p:sp>
-          </p:grpSp>
-        </p:grpSp>
-        <p:grpSp>
-          <p:nvGrpSpPr>
-            <p:cNvPr id="386" name="Group 385">
-              <a:extLst>
-                <a:ext uri="{FF2B5EF4-FFF2-40B4-BE49-F238E27FC236}">
-                  <a16:creationId xmlns:a16="http://schemas.microsoft.com/office/drawing/2014/main" id="{A3AFC487-0852-A1B1-9F3A-DBF502A6554B}"/>
-                </a:ext>
-              </a:extLst>
-            </p:cNvPr>
-            <p:cNvGrpSpPr/>
-            <p:nvPr/>
-          </p:nvGrpSpPr>
-          <p:grpSpPr>
-            <a:xfrm>
-              <a:off x="2970914" y="2427422"/>
-              <a:ext cx="1241593" cy="1100486"/>
-              <a:chOff x="3555830" y="1317181"/>
-              <a:chExt cx="1048877" cy="903598"/>
-            </a:xfrm>
-          </p:grpSpPr>
-          <p:sp>
-            <p:nvSpPr>
-              <p:cNvPr id="387" name="TextBox 386">
-                <a:extLst>
-                  <a:ext uri="{FF2B5EF4-FFF2-40B4-BE49-F238E27FC236}">
-                    <a16:creationId xmlns:a16="http://schemas.microsoft.com/office/drawing/2014/main" id="{C517ADC1-74C6-1663-277A-73C295A98623}"/>
-                  </a:ext>
-                </a:extLst>
-              </p:cNvPr>
-              <p:cNvSpPr txBox="1"/>
-              <p:nvPr/>
-            </p:nvSpPr>
-            <p:spPr>
-              <a:xfrm>
-                <a:off x="3585525" y="1541091"/>
-                <a:ext cx="994647" cy="429611"/>
-              </a:xfrm>
-              <a:prstGeom prst="rect">
-                <a:avLst/>
-              </a:prstGeom>
-              <a:noFill/>
-            </p:spPr>
-            <p:txBody>
-              <a:bodyPr wrap="square" rtlCol="0">
-                <a:spAutoFit/>
-              </a:bodyPr>
-              <a:lstStyle/>
-              <a:p>
-                <a:pPr marL="158750" indent="0" algn="ctr">
-                  <a:buClr>
-                    <a:srgbClr val="FF725E"/>
-                  </a:buClr>
-                  <a:buNone/>
-                </a:pPr>
-                <a:r>
-                  <a:rPr lang="en-US" b="1" dirty="0">
-                    <a:latin typeface="Calibri" panose="020F0502020204030204" pitchFamily="34" charset="0"/>
-                    <a:ea typeface="Calibri" panose="020F0502020204030204" pitchFamily="34" charset="0"/>
-                    <a:cs typeface="Calibri" panose="020F0502020204030204" pitchFamily="34" charset="0"/>
-                  </a:rPr>
-                  <a:t>Validate</a:t>
-                </a:r>
-              </a:p>
-              <a:p>
-                <a:pPr marL="158750" indent="0" algn="ctr">
-                  <a:buClr>
-                    <a:srgbClr val="FF725E"/>
-                  </a:buClr>
-                  <a:buNone/>
-                </a:pPr>
-                <a:r>
-                  <a:rPr lang="en-US" b="1" dirty="0">
-                    <a:latin typeface="Calibri" panose="020F0502020204030204" pitchFamily="34" charset="0"/>
-                    <a:ea typeface="Calibri" panose="020F0502020204030204" pitchFamily="34" charset="0"/>
-                    <a:cs typeface="Calibri" panose="020F0502020204030204" pitchFamily="34" charset="0"/>
-                  </a:rPr>
-                  <a:t>Scope</a:t>
-                </a:r>
-              </a:p>
-            </p:txBody>
-          </p:sp>
-          <p:grpSp>
-            <p:nvGrpSpPr>
-              <p:cNvPr id="388" name="Group 387">
-                <a:extLst>
-                  <a:ext uri="{FF2B5EF4-FFF2-40B4-BE49-F238E27FC236}">
-                    <a16:creationId xmlns:a16="http://schemas.microsoft.com/office/drawing/2014/main" id="{4982DA03-D9C2-E704-1454-9E54B1C625B5}"/>
-                  </a:ext>
-                </a:extLst>
-              </p:cNvPr>
-              <p:cNvGrpSpPr/>
-              <p:nvPr/>
-            </p:nvGrpSpPr>
-            <p:grpSpPr>
-              <a:xfrm>
-                <a:off x="3555830" y="1317181"/>
-                <a:ext cx="1048877" cy="903598"/>
-                <a:chOff x="3555830" y="1317181"/>
-                <a:chExt cx="1048877" cy="903598"/>
-              </a:xfrm>
-            </p:grpSpPr>
-            <p:sp>
-              <p:nvSpPr>
-                <p:cNvPr id="389" name="Oval 388">
-                  <a:extLst>
-                    <a:ext uri="{FF2B5EF4-FFF2-40B4-BE49-F238E27FC236}">
-                      <a16:creationId xmlns:a16="http://schemas.microsoft.com/office/drawing/2014/main" id="{E109139D-5FD4-01FA-B913-1B81DDB17E33}"/>
-                    </a:ext>
-                  </a:extLst>
-                </p:cNvPr>
-                <p:cNvSpPr/>
-                <p:nvPr/>
-              </p:nvSpPr>
-              <p:spPr>
-                <a:xfrm>
-                  <a:off x="3653196" y="1317181"/>
-                  <a:ext cx="951511" cy="903598"/>
-                </a:xfrm>
-                <a:prstGeom prst="ellipse">
-                  <a:avLst/>
-                </a:prstGeom>
-                <a:noFill/>
-                <a:ln w="9525" cap="flat" cmpd="sng">
-                  <a:solidFill>
-                    <a:schemeClr val="tx1"/>
-                  </a:solidFill>
-                  <a:prstDash val="solid"/>
-                  <a:round/>
-                  <a:headEnd type="none" w="sm" len="sm"/>
-                  <a:tailEnd type="none" w="sm" len="sm"/>
-                </a:ln>
-              </p:spPr>
-              <p:txBody>
-                <a:bodyPr spcFirstLastPara="1" wrap="square" lIns="91425" tIns="91425" rIns="91425" bIns="91425" anchor="ctr" anchorCtr="0">
-                  <a:noAutofit/>
-                </a:bodyPr>
-                <a:lstStyle/>
-                <a:p>
-                  <a:endParaRPr lang="en-CA" sz="1200">
-                    <a:solidFill>
-                      <a:srgbClr val="000000"/>
-                    </a:solidFill>
-                    <a:latin typeface="Calibri" panose="020F0502020204030204" pitchFamily="34" charset="0"/>
-                    <a:ea typeface="Calibri" panose="020F0502020204030204" pitchFamily="34" charset="0"/>
-                    <a:cs typeface="Calibri" panose="020F0502020204030204" pitchFamily="34" charset="0"/>
-                  </a:endParaRPr>
-                </a:p>
-              </p:txBody>
-            </p:sp>
-            <p:sp>
-              <p:nvSpPr>
-                <p:cNvPr id="390" name="Google Shape;640;p35">
-                  <a:extLst>
-                    <a:ext uri="{FF2B5EF4-FFF2-40B4-BE49-F238E27FC236}">
-                      <a16:creationId xmlns:a16="http://schemas.microsoft.com/office/drawing/2014/main" id="{9607F111-1065-8337-5D8F-D0D7567572AC}"/>
-                    </a:ext>
-                  </a:extLst>
-                </p:cNvPr>
-                <p:cNvSpPr/>
-                <p:nvPr/>
-              </p:nvSpPr>
-              <p:spPr>
-                <a:xfrm>
-                  <a:off x="3555830" y="1664241"/>
-                  <a:ext cx="194732" cy="112786"/>
-                </a:xfrm>
-                <a:prstGeom prst="rect">
-                  <a:avLst/>
-                </a:prstGeom>
-                <a:solidFill>
-                  <a:srgbClr val="FF725E"/>
-                </a:solidFill>
-                <a:ln>
-                  <a:noFill/>
-                </a:ln>
-              </p:spPr>
-              <p:txBody>
-                <a:bodyPr spcFirstLastPara="1" wrap="square" lIns="91425" tIns="91425" rIns="91425" bIns="91425" anchor="ctr" anchorCtr="0">
-                  <a:noAutofit/>
-                </a:bodyPr>
-                <a:lstStyle/>
-                <a:p>
-                  <a:pPr marL="0" lvl="0" indent="0" algn="l" rtl="0">
-                    <a:spcBef>
-                      <a:spcPts val="0"/>
-                    </a:spcBef>
-                    <a:spcAft>
-                      <a:spcPts val="0"/>
-                    </a:spcAft>
-                    <a:buNone/>
-                  </a:pPr>
-                  <a:endParaRPr sz="1200">
-                    <a:latin typeface="Calibri" panose="020F0502020204030204" pitchFamily="34" charset="0"/>
-                    <a:ea typeface="Calibri" panose="020F0502020204030204" pitchFamily="34" charset="0"/>
-                    <a:cs typeface="Calibri" panose="020F0502020204030204" pitchFamily="34" charset="0"/>
-                  </a:endParaRPr>
-                </a:p>
-              </p:txBody>
-            </p:sp>
-          </p:grpSp>
-        </p:grpSp>
-        <p:sp>
-          <p:nvSpPr>
-            <p:cNvPr id="411" name="Left Brace 410">
-              <a:extLst>
-                <a:ext uri="{FF2B5EF4-FFF2-40B4-BE49-F238E27FC236}">
-                  <a16:creationId xmlns:a16="http://schemas.microsoft.com/office/drawing/2014/main" id="{CC837213-C13E-4F06-9982-E4A3F705CAB8}"/>
-                </a:ext>
-              </a:extLst>
-            </p:cNvPr>
-            <p:cNvSpPr/>
-            <p:nvPr/>
-          </p:nvSpPr>
-          <p:spPr>
-            <a:xfrm rot="16200000">
-              <a:off x="2030438" y="1627740"/>
-              <a:ext cx="490750" cy="4130994"/>
-            </a:xfrm>
-            <a:prstGeom prst="leftBrace">
-              <a:avLst>
-                <a:gd name="adj1" fmla="val 51449"/>
-                <a:gd name="adj2" fmla="val 50000"/>
-              </a:avLst>
-            </a:prstGeom>
-            <a:noFill/>
-            <a:ln w="38100">
-              <a:solidFill>
-                <a:srgbClr val="FF725E"/>
-              </a:solidFill>
-            </a:ln>
-          </p:spPr>
-          <p:style>
-            <a:lnRef idx="1">
-              <a:schemeClr val="accent1"/>
-            </a:lnRef>
-            <a:fillRef idx="0">
-              <a:schemeClr val="accent1"/>
-            </a:fillRef>
-            <a:effectRef idx="0">
-              <a:schemeClr val="accent1"/>
-            </a:effectRef>
-            <a:fontRef idx="minor">
-              <a:schemeClr val="tx1"/>
-            </a:fontRef>
-          </p:style>
-          <p:txBody>
-            <a:bodyPr rtlCol="0" anchor="ctr"/>
-            <a:lstStyle/>
-            <a:p>
-              <a:pPr algn="ctr"/>
-              <a:endParaRPr lang="en-CA">
-                <a:latin typeface="Calibri" panose="020F0502020204030204" pitchFamily="34" charset="0"/>
-                <a:ea typeface="Calibri" panose="020F0502020204030204" pitchFamily="34" charset="0"/>
-                <a:cs typeface="Calibri" panose="020F0502020204030204" pitchFamily="34" charset="0"/>
-              </a:endParaRPr>
-            </a:p>
-          </p:txBody>
-        </p:sp>
-      </p:grpSp>
-      <p:grpSp>
-        <p:nvGrpSpPr>
-          <p:cNvPr id="416" name="Group 415">
-            <a:extLst>
-              <a:ext uri="{FF2B5EF4-FFF2-40B4-BE49-F238E27FC236}">
-                <a16:creationId xmlns:a16="http://schemas.microsoft.com/office/drawing/2014/main" id="{C8C2ADBD-AC8F-3920-B2C3-CA5DE750AD78}"/>
-              </a:ext>
-            </a:extLst>
-          </p:cNvPr>
-          <p:cNvGrpSpPr/>
-          <p:nvPr/>
-        </p:nvGrpSpPr>
-        <p:grpSpPr>
-          <a:xfrm>
-            <a:off x="1770622" y="4157675"/>
-            <a:ext cx="1413852" cy="725352"/>
-            <a:chOff x="4132535" y="1540309"/>
-            <a:chExt cx="1360250" cy="805697"/>
-          </a:xfrm>
-        </p:grpSpPr>
-        <p:grpSp>
-          <p:nvGrpSpPr>
-            <p:cNvPr id="417" name="Google Shape;638;p35">
-              <a:extLst>
-                <a:ext uri="{FF2B5EF4-FFF2-40B4-BE49-F238E27FC236}">
-                  <a16:creationId xmlns:a16="http://schemas.microsoft.com/office/drawing/2014/main" id="{5737F4DD-88ED-D473-8859-FFFE40176FB0}"/>
-                </a:ext>
-              </a:extLst>
-            </p:cNvPr>
-            <p:cNvGrpSpPr/>
-            <p:nvPr/>
-          </p:nvGrpSpPr>
-          <p:grpSpPr>
-            <a:xfrm>
-              <a:off x="4149460" y="1540309"/>
-              <a:ext cx="1300364" cy="805697"/>
-              <a:chOff x="713225" y="1832600"/>
-              <a:chExt cx="845400" cy="904375"/>
-            </a:xfrm>
-          </p:grpSpPr>
-          <p:sp>
-            <p:nvSpPr>
-              <p:cNvPr id="419" name="Google Shape;639;p35">
-                <a:extLst>
-                  <a:ext uri="{FF2B5EF4-FFF2-40B4-BE49-F238E27FC236}">
-                    <a16:creationId xmlns:a16="http://schemas.microsoft.com/office/drawing/2014/main" id="{E369C782-DE7D-552D-FF68-F1FE9F3F4109}"/>
-                  </a:ext>
-                </a:extLst>
-              </p:cNvPr>
-              <p:cNvSpPr/>
-              <p:nvPr/>
-            </p:nvSpPr>
-            <p:spPr>
-              <a:xfrm>
-                <a:off x="713225" y="1891575"/>
-                <a:ext cx="845400" cy="845400"/>
-              </a:xfrm>
-              <a:prstGeom prst="rect">
-                <a:avLst/>
-              </a:prstGeom>
-              <a:noFill/>
-              <a:ln w="9525" cap="flat" cmpd="sng">
-                <a:solidFill>
-                  <a:schemeClr val="dk1"/>
-                </a:solidFill>
-                <a:prstDash val="solid"/>
-                <a:round/>
-                <a:headEnd type="none" w="sm" len="sm"/>
-                <a:tailEnd type="none" w="sm" len="sm"/>
-              </a:ln>
-            </p:spPr>
-            <p:txBody>
-              <a:bodyPr spcFirstLastPara="1" wrap="square" lIns="91425" tIns="91425" rIns="91425" bIns="91425" anchor="ctr" anchorCtr="0">
-                <a:noAutofit/>
-              </a:bodyPr>
-              <a:lstStyle/>
-              <a:p>
-                <a:pPr marL="0" lvl="0" indent="0" algn="l" rtl="0">
-                  <a:spcBef>
-                    <a:spcPts val="0"/>
-                  </a:spcBef>
-                  <a:spcAft>
-                    <a:spcPts val="0"/>
-                  </a:spcAft>
-                  <a:buNone/>
-                </a:pPr>
-                <a:endParaRPr>
-                  <a:latin typeface="Calibri" panose="020F0502020204030204" pitchFamily="34" charset="0"/>
-                  <a:ea typeface="Calibri" panose="020F0502020204030204" pitchFamily="34" charset="0"/>
-                  <a:cs typeface="Calibri" panose="020F0502020204030204" pitchFamily="34" charset="0"/>
-                </a:endParaRPr>
-              </a:p>
-            </p:txBody>
-          </p:sp>
-          <p:sp>
-            <p:nvSpPr>
-              <p:cNvPr id="420" name="Google Shape;640;p35">
-                <a:extLst>
-                  <a:ext uri="{FF2B5EF4-FFF2-40B4-BE49-F238E27FC236}">
-                    <a16:creationId xmlns:a16="http://schemas.microsoft.com/office/drawing/2014/main" id="{456DC2C2-99D6-C09F-E6A8-3539E1120F50}"/>
-                  </a:ext>
-                </a:extLst>
-              </p:cNvPr>
-              <p:cNvSpPr/>
-              <p:nvPr/>
-            </p:nvSpPr>
-            <p:spPr>
-              <a:xfrm>
-                <a:off x="1072625" y="1832600"/>
-                <a:ext cx="126600" cy="126600"/>
-              </a:xfrm>
-              <a:prstGeom prst="rect">
-                <a:avLst/>
-              </a:prstGeom>
-              <a:solidFill>
-                <a:schemeClr val="dk1"/>
-              </a:solidFill>
-              <a:ln>
-                <a:noFill/>
-              </a:ln>
-            </p:spPr>
-            <p:txBody>
-              <a:bodyPr spcFirstLastPara="1" wrap="square" lIns="91425" tIns="91425" rIns="91425" bIns="91425" anchor="ctr" anchorCtr="0">
-                <a:noAutofit/>
-              </a:bodyPr>
-              <a:lstStyle/>
-              <a:p>
-                <a:pPr marL="0" lvl="0" indent="0" algn="l" rtl="0">
-                  <a:spcBef>
-                    <a:spcPts val="0"/>
-                  </a:spcBef>
-                  <a:spcAft>
-                    <a:spcPts val="0"/>
-                  </a:spcAft>
-                  <a:buNone/>
-                </a:pPr>
-                <a:endParaRPr>
-                  <a:latin typeface="Calibri" panose="020F0502020204030204" pitchFamily="34" charset="0"/>
-                  <a:ea typeface="Calibri" panose="020F0502020204030204" pitchFamily="34" charset="0"/>
-                  <a:cs typeface="Calibri" panose="020F0502020204030204" pitchFamily="34" charset="0"/>
-                </a:endParaRPr>
-              </a:p>
-            </p:txBody>
-          </p:sp>
-        </p:grpSp>
-        <p:sp>
-          <p:nvSpPr>
-            <p:cNvPr id="418" name="TextBox 417">
-              <a:extLst>
-                <a:ext uri="{FF2B5EF4-FFF2-40B4-BE49-F238E27FC236}">
-                  <a16:creationId xmlns:a16="http://schemas.microsoft.com/office/drawing/2014/main" id="{8971A640-5ECE-CCF3-31AF-6FFCBD79F58D}"/>
-                </a:ext>
-              </a:extLst>
-            </p:cNvPr>
-            <p:cNvSpPr txBox="1"/>
-            <p:nvPr/>
-          </p:nvSpPr>
-          <p:spPr>
-            <a:xfrm>
-              <a:off x="4132535" y="1660083"/>
-              <a:ext cx="1360250" cy="341869"/>
-            </a:xfrm>
-            <a:prstGeom prst="rect">
-              <a:avLst/>
-            </a:prstGeom>
-            <a:noFill/>
-          </p:spPr>
-          <p:txBody>
-            <a:bodyPr wrap="square" rtlCol="0">
-              <a:spAutoFit/>
-            </a:bodyPr>
-            <a:lstStyle/>
-            <a:p>
-              <a:pPr algn="ctr"/>
-              <a:r>
-                <a:rPr lang="en-CA" dirty="0">
-                  <a:latin typeface="Calibri" panose="020F0502020204030204" pitchFamily="34" charset="0"/>
-                  <a:ea typeface="Calibri" panose="020F0502020204030204" pitchFamily="34" charset="0"/>
-                  <a:cs typeface="Calibri" panose="020F0502020204030204" pitchFamily="34" charset="0"/>
-                </a:rPr>
-                <a:t>Change Request</a:t>
-              </a:r>
-            </a:p>
-          </p:txBody>
-        </p:sp>
-      </p:grpSp>
-      <p:grpSp>
-        <p:nvGrpSpPr>
-          <p:cNvPr id="421" name="Group 420">
-            <a:extLst>
-              <a:ext uri="{FF2B5EF4-FFF2-40B4-BE49-F238E27FC236}">
-                <a16:creationId xmlns:a16="http://schemas.microsoft.com/office/drawing/2014/main" id="{A4957FEA-8871-98F8-DA8E-7970625F85AE}"/>
-              </a:ext>
-            </a:extLst>
-          </p:cNvPr>
-          <p:cNvGrpSpPr/>
-          <p:nvPr/>
-        </p:nvGrpSpPr>
-        <p:grpSpPr>
-          <a:xfrm>
-            <a:off x="3210742" y="4157675"/>
-            <a:ext cx="1413852" cy="725352"/>
-            <a:chOff x="4107643" y="1540309"/>
-            <a:chExt cx="1360250" cy="805697"/>
-          </a:xfrm>
-        </p:grpSpPr>
-        <p:grpSp>
-          <p:nvGrpSpPr>
-            <p:cNvPr id="422" name="Google Shape;638;p35">
-              <a:extLst>
-                <a:ext uri="{FF2B5EF4-FFF2-40B4-BE49-F238E27FC236}">
-                  <a16:creationId xmlns:a16="http://schemas.microsoft.com/office/drawing/2014/main" id="{063F3821-F4C4-E21D-DFE6-A5DA00E787A9}"/>
-                </a:ext>
-              </a:extLst>
-            </p:cNvPr>
-            <p:cNvGrpSpPr/>
-            <p:nvPr/>
-          </p:nvGrpSpPr>
-          <p:grpSpPr>
-            <a:xfrm>
-              <a:off x="4149460" y="1540309"/>
-              <a:ext cx="1300364" cy="805697"/>
-              <a:chOff x="713225" y="1832600"/>
-              <a:chExt cx="845400" cy="904375"/>
-            </a:xfrm>
-          </p:grpSpPr>
-          <p:sp>
-            <p:nvSpPr>
-              <p:cNvPr id="424" name="Google Shape;639;p35">
-                <a:extLst>
-                  <a:ext uri="{FF2B5EF4-FFF2-40B4-BE49-F238E27FC236}">
-                    <a16:creationId xmlns:a16="http://schemas.microsoft.com/office/drawing/2014/main" id="{9BA6A19E-8A14-83C7-91A9-7A20B6DE76B9}"/>
-                  </a:ext>
-                </a:extLst>
-              </p:cNvPr>
-              <p:cNvSpPr/>
-              <p:nvPr/>
-            </p:nvSpPr>
-            <p:spPr>
-              <a:xfrm>
-                <a:off x="713225" y="1891575"/>
-                <a:ext cx="845400" cy="845400"/>
-              </a:xfrm>
-              <a:prstGeom prst="rect">
-                <a:avLst/>
-              </a:prstGeom>
-              <a:noFill/>
-              <a:ln w="28575" cap="flat" cmpd="sng">
-                <a:solidFill>
-                  <a:srgbClr val="FFC000"/>
-                </a:solidFill>
-                <a:prstDash val="sysDash"/>
-                <a:round/>
-                <a:headEnd type="none" w="sm" len="sm"/>
-                <a:tailEnd type="none" w="sm" len="sm"/>
-              </a:ln>
-            </p:spPr>
-            <p:txBody>
-              <a:bodyPr spcFirstLastPara="1" wrap="square" lIns="91425" tIns="91425" rIns="91425" bIns="91425" anchor="ctr" anchorCtr="0">
-                <a:noAutofit/>
-              </a:bodyPr>
-              <a:lstStyle/>
-              <a:p>
-                <a:pPr marL="0" lvl="0" indent="0" algn="l" rtl="0">
-                  <a:spcBef>
-                    <a:spcPts val="0"/>
-                  </a:spcBef>
-                  <a:spcAft>
-                    <a:spcPts val="0"/>
-                  </a:spcAft>
-                  <a:buNone/>
-                </a:pPr>
-                <a:endParaRPr>
-                  <a:latin typeface="Calibri" panose="020F0502020204030204" pitchFamily="34" charset="0"/>
-                  <a:ea typeface="Calibri" panose="020F0502020204030204" pitchFamily="34" charset="0"/>
-                  <a:cs typeface="Calibri" panose="020F0502020204030204" pitchFamily="34" charset="0"/>
-                </a:endParaRPr>
-              </a:p>
-            </p:txBody>
-          </p:sp>
-          <p:sp>
-            <p:nvSpPr>
-              <p:cNvPr id="425" name="Google Shape;640;p35">
-                <a:extLst>
-                  <a:ext uri="{FF2B5EF4-FFF2-40B4-BE49-F238E27FC236}">
-                    <a16:creationId xmlns:a16="http://schemas.microsoft.com/office/drawing/2014/main" id="{ECBEB271-7883-4A0C-2236-A48FF07A41F6}"/>
-                  </a:ext>
-                </a:extLst>
-              </p:cNvPr>
-              <p:cNvSpPr/>
-              <p:nvPr/>
-            </p:nvSpPr>
-            <p:spPr>
-              <a:xfrm>
-                <a:off x="1072625" y="1832600"/>
-                <a:ext cx="126600" cy="126600"/>
-              </a:xfrm>
-              <a:prstGeom prst="rect">
-                <a:avLst/>
-              </a:prstGeom>
-              <a:solidFill>
-                <a:schemeClr val="dk1"/>
-              </a:solidFill>
-              <a:ln>
-                <a:noFill/>
-              </a:ln>
-            </p:spPr>
-            <p:txBody>
-              <a:bodyPr spcFirstLastPara="1" wrap="square" lIns="91425" tIns="91425" rIns="91425" bIns="91425" anchor="ctr" anchorCtr="0">
-                <a:noAutofit/>
-              </a:bodyPr>
-              <a:lstStyle/>
-              <a:p>
-                <a:pPr marL="0" lvl="0" indent="0" algn="l" rtl="0">
-                  <a:spcBef>
-                    <a:spcPts val="0"/>
-                  </a:spcBef>
-                  <a:spcAft>
-                    <a:spcPts val="0"/>
-                  </a:spcAft>
-                  <a:buNone/>
-                </a:pPr>
-                <a:endParaRPr>
-                  <a:latin typeface="Calibri" panose="020F0502020204030204" pitchFamily="34" charset="0"/>
-                  <a:ea typeface="Calibri" panose="020F0502020204030204" pitchFamily="34" charset="0"/>
-                  <a:cs typeface="Calibri" panose="020F0502020204030204" pitchFamily="34" charset="0"/>
-                </a:endParaRPr>
-              </a:p>
-            </p:txBody>
-          </p:sp>
-        </p:grpSp>
-        <p:sp>
-          <p:nvSpPr>
-            <p:cNvPr id="423" name="TextBox 422">
-              <a:extLst>
-                <a:ext uri="{FF2B5EF4-FFF2-40B4-BE49-F238E27FC236}">
-                  <a16:creationId xmlns:a16="http://schemas.microsoft.com/office/drawing/2014/main" id="{984026C8-76E0-7F06-526E-B5CE8EA35A35}"/>
-                </a:ext>
-              </a:extLst>
-            </p:cNvPr>
-            <p:cNvSpPr txBox="1"/>
-            <p:nvPr/>
-          </p:nvSpPr>
-          <p:spPr>
-            <a:xfrm>
-              <a:off x="4107643" y="1792044"/>
-              <a:ext cx="1360250" cy="341869"/>
-            </a:xfrm>
-            <a:prstGeom prst="rect">
-              <a:avLst/>
-            </a:prstGeom>
-            <a:noFill/>
-          </p:spPr>
-          <p:txBody>
-            <a:bodyPr wrap="square" rtlCol="0">
-              <a:spAutoFit/>
-            </a:bodyPr>
-            <a:lstStyle/>
-            <a:p>
-              <a:pPr algn="ctr"/>
-              <a:r>
-                <a:rPr lang="en-CA" dirty="0">
-                  <a:latin typeface="Calibri" panose="020F0502020204030204" pitchFamily="34" charset="0"/>
-                  <a:ea typeface="Calibri" panose="020F0502020204030204" pitchFamily="34" charset="0"/>
-                  <a:cs typeface="Calibri" panose="020F0502020204030204" pitchFamily="34" charset="0"/>
-                </a:rPr>
-                <a:t>Issue Log</a:t>
-              </a:r>
-            </a:p>
-          </p:txBody>
-        </p:sp>
-      </p:grpSp>
-      <p:grpSp>
-        <p:nvGrpSpPr>
-          <p:cNvPr id="430" name="Group 429">
-            <a:extLst>
-              <a:ext uri="{FF2B5EF4-FFF2-40B4-BE49-F238E27FC236}">
-                <a16:creationId xmlns:a16="http://schemas.microsoft.com/office/drawing/2014/main" id="{6FD8F8EE-A9CE-9A96-0FC8-336EB76326AC}"/>
-              </a:ext>
-            </a:extLst>
-          </p:cNvPr>
-          <p:cNvGrpSpPr/>
-          <p:nvPr/>
-        </p:nvGrpSpPr>
-        <p:grpSpPr>
-          <a:xfrm>
-            <a:off x="4920451" y="2337472"/>
-            <a:ext cx="409039" cy="428394"/>
-            <a:chOff x="4805340" y="2358451"/>
-            <a:chExt cx="409039" cy="428394"/>
-          </a:xfrm>
-        </p:grpSpPr>
-        <p:sp>
-          <p:nvSpPr>
-            <p:cNvPr id="413" name="Isosceles Triangle 412">
-              <a:extLst>
-                <a:ext uri="{FF2B5EF4-FFF2-40B4-BE49-F238E27FC236}">
-                  <a16:creationId xmlns:a16="http://schemas.microsoft.com/office/drawing/2014/main" id="{787DC4FE-719E-5CDD-181C-C0212A926475}"/>
-                </a:ext>
-              </a:extLst>
-            </p:cNvPr>
-            <p:cNvSpPr/>
-            <p:nvPr/>
-          </p:nvSpPr>
-          <p:spPr>
-            <a:xfrm rot="5400000">
-              <a:off x="4909075" y="2479744"/>
-              <a:ext cx="426597" cy="184011"/>
-            </a:xfrm>
-            <a:prstGeom prst="triangle">
-              <a:avLst/>
-            </a:prstGeom>
-            <a:solidFill>
-              <a:srgbClr val="FF725E"/>
-            </a:solidFill>
-            <a:ln>
-              <a:noFill/>
-            </a:ln>
-          </p:spPr>
-          <p:style>
-            <a:lnRef idx="2">
-              <a:schemeClr val="accent1">
-                <a:shade val="50000"/>
-              </a:schemeClr>
-            </a:lnRef>
-            <a:fillRef idx="1">
-              <a:schemeClr val="accent1"/>
-            </a:fillRef>
-            <a:effectRef idx="0">
-              <a:schemeClr val="accent1"/>
-            </a:effectRef>
-            <a:fontRef idx="minor">
-              <a:schemeClr val="lt1"/>
-            </a:fontRef>
-          </p:style>
-          <p:txBody>
-            <a:bodyPr rtlCol="0" anchor="ctr"/>
-            <a:lstStyle/>
-            <a:p>
-              <a:pPr algn="ctr"/>
-              <a:endParaRPr lang="en-CA">
-                <a:latin typeface="Calibri" panose="020F0502020204030204" pitchFamily="34" charset="0"/>
-                <a:ea typeface="Calibri" panose="020F0502020204030204" pitchFamily="34" charset="0"/>
-                <a:cs typeface="Calibri" panose="020F0502020204030204" pitchFamily="34" charset="0"/>
-              </a:endParaRPr>
-            </a:p>
-          </p:txBody>
-        </p:sp>
-        <p:sp>
-          <p:nvSpPr>
-            <p:cNvPr id="426" name="Isosceles Triangle 425">
-              <a:extLst>
-                <a:ext uri="{FF2B5EF4-FFF2-40B4-BE49-F238E27FC236}">
-                  <a16:creationId xmlns:a16="http://schemas.microsoft.com/office/drawing/2014/main" id="{58A769FF-5778-5DCC-72C6-AD27045533D0}"/>
-                </a:ext>
-              </a:extLst>
-            </p:cNvPr>
-            <p:cNvSpPr/>
-            <p:nvPr/>
-          </p:nvSpPr>
-          <p:spPr>
-            <a:xfrm rot="5400000" flipV="1">
-              <a:off x="4684047" y="2481541"/>
-              <a:ext cx="426597" cy="184012"/>
-            </a:xfrm>
-            <a:prstGeom prst="triangle">
-              <a:avLst/>
-            </a:prstGeom>
-            <a:solidFill>
-              <a:srgbClr val="FF725E"/>
-            </a:solidFill>
-            <a:ln>
-              <a:noFill/>
-            </a:ln>
-          </p:spPr>
-          <p:style>
-            <a:lnRef idx="2">
-              <a:schemeClr val="accent1">
-                <a:shade val="50000"/>
-              </a:schemeClr>
-            </a:lnRef>
-            <a:fillRef idx="1">
-              <a:schemeClr val="accent1"/>
-            </a:fillRef>
-            <a:effectRef idx="0">
-              <a:schemeClr val="accent1"/>
-            </a:effectRef>
-            <a:fontRef idx="minor">
-              <a:schemeClr val="lt1"/>
-            </a:fontRef>
-          </p:style>
-          <p:txBody>
-            <a:bodyPr rtlCol="0" anchor="ctr"/>
-            <a:lstStyle/>
-            <a:p>
-              <a:pPr algn="ctr"/>
-              <a:endParaRPr lang="en-CA">
-                <a:latin typeface="Calibri" panose="020F0502020204030204" pitchFamily="34" charset="0"/>
-                <a:ea typeface="Calibri" panose="020F0502020204030204" pitchFamily="34" charset="0"/>
-                <a:cs typeface="Calibri" panose="020F0502020204030204" pitchFamily="34" charset="0"/>
-              </a:endParaRPr>
-            </a:p>
-          </p:txBody>
-        </p:sp>
-      </p:grpSp>
+              </a:tr>
+            </a:tbl>
+          </a:graphicData>
+        </a:graphic>
+      </p:graphicFrame>
     </p:spTree>
     <p:extLst>
       <p:ext uri="{BB962C8B-B14F-4D97-AF65-F5344CB8AC3E}">
